--- a/移动网站架构.pptx
+++ b/移动网站架构.pptx
@@ -5,13 +5,15 @@
     <p:sldMasterId id="2147483661" r:id="rId1"/>
   </p:sldMasterIdLst>
   <p:notesMasterIdLst>
-    <p:notesMasterId r:id="rId6"/>
+    <p:notesMasterId r:id="rId8"/>
   </p:notesMasterIdLst>
   <p:sldIdLst>
     <p:sldId id="262" r:id="rId2"/>
     <p:sldId id="340" r:id="rId3"/>
     <p:sldId id="341" r:id="rId4"/>
     <p:sldId id="342" r:id="rId5"/>
+    <p:sldId id="343" r:id="rId6"/>
+    <p:sldId id="344" r:id="rId7"/>
   </p:sldIdLst>
   <p:sldSz cx="9144000" cy="6858000" type="screen4x3"/>
   <p:notesSz cx="7559675" cy="10691813"/>
@@ -195,7 +197,7 @@
           <a:p>
             <a:fld id="{EB13DD06-BFAC-4C87-81A0-7BCF951EE3DD}" type="datetimeFigureOut">
               <a:rPr lang="zh-CN" altLang="en-US" smtClean="0"/>
-              <a:t>2016/7/27</a:t>
+              <a:t>2016/8/7</a:t>
             </a:fld>
             <a:endParaRPr lang="zh-CN" altLang="en-US"/>
           </a:p>
@@ -715,6 +717,174 @@
 </p:notes>
 </file>
 
+<file path=ppt/notesSlides/notesSlide4.xml><?xml version="1.0" encoding="utf-8"?>
+<p:notes xmlns:a="http://schemas.openxmlformats.org/drawingml/2006/main" xmlns:r="http://schemas.openxmlformats.org/officeDocument/2006/relationships" xmlns:p="http://schemas.openxmlformats.org/presentationml/2006/main">
+  <p:cSld>
+    <p:spTree>
+      <p:nvGrpSpPr>
+        <p:cNvPr id="1" name=""/>
+        <p:cNvGrpSpPr/>
+        <p:nvPr/>
+      </p:nvGrpSpPr>
+      <p:grpSpPr>
+        <a:xfrm>
+          <a:off x="0" y="0"/>
+          <a:ext cx="0" cy="0"/>
+          <a:chOff x="0" y="0"/>
+          <a:chExt cx="0" cy="0"/>
+        </a:xfrm>
+      </p:grpSpPr>
+      <p:sp>
+        <p:nvSpPr>
+          <p:cNvPr id="2" name="幻灯片图像占位符 1"/>
+          <p:cNvSpPr>
+            <a:spLocks noGrp="1" noRot="1" noChangeAspect="1"/>
+          </p:cNvSpPr>
+          <p:nvPr>
+            <p:ph type="sldImg"/>
+          </p:nvPr>
+        </p:nvSpPr>
+        <p:spPr/>
+      </p:sp>
+      <p:sp>
+        <p:nvSpPr>
+          <p:cNvPr id="3" name="备注占位符 2"/>
+          <p:cNvSpPr>
+            <a:spLocks noGrp="1"/>
+          </p:cNvSpPr>
+          <p:nvPr>
+            <p:ph type="body" idx="1"/>
+          </p:nvPr>
+        </p:nvSpPr>
+        <p:spPr/>
+        <p:txBody>
+          <a:bodyPr/>
+          <a:lstStyle/>
+          <a:p>
+            <a:endParaRPr lang="zh-CN" altLang="en-US" dirty="0"/>
+          </a:p>
+        </p:txBody>
+      </p:sp>
+      <p:sp>
+        <p:nvSpPr>
+          <p:cNvPr id="4" name="灯片编号占位符 3"/>
+          <p:cNvSpPr>
+            <a:spLocks noGrp="1"/>
+          </p:cNvSpPr>
+          <p:nvPr>
+            <p:ph type="sldNum" sz="quarter" idx="10"/>
+          </p:nvPr>
+        </p:nvSpPr>
+        <p:spPr/>
+        <p:txBody>
+          <a:bodyPr/>
+          <a:lstStyle/>
+          <a:p>
+            <a:fld id="{D62A80DA-2C88-480B-A683-D200A0428AC4}" type="slidenum">
+              <a:rPr lang="zh-CN" altLang="en-US" smtClean="0"/>
+              <a:t>5</a:t>
+            </a:fld>
+            <a:endParaRPr lang="zh-CN" altLang="en-US"/>
+          </a:p>
+        </p:txBody>
+      </p:sp>
+    </p:spTree>
+    <p:extLst>
+      <p:ext uri="{BB962C8B-B14F-4D97-AF65-F5344CB8AC3E}">
+        <p14:creationId xmlns:p14="http://schemas.microsoft.com/office/powerpoint/2010/main" val="3222988867"/>
+      </p:ext>
+    </p:extLst>
+  </p:cSld>
+  <p:clrMapOvr>
+    <a:masterClrMapping/>
+  </p:clrMapOvr>
+</p:notes>
+</file>
+
+<file path=ppt/notesSlides/notesSlide5.xml><?xml version="1.0" encoding="utf-8"?>
+<p:notes xmlns:a="http://schemas.openxmlformats.org/drawingml/2006/main" xmlns:r="http://schemas.openxmlformats.org/officeDocument/2006/relationships" xmlns:p="http://schemas.openxmlformats.org/presentationml/2006/main">
+  <p:cSld>
+    <p:spTree>
+      <p:nvGrpSpPr>
+        <p:cNvPr id="1" name=""/>
+        <p:cNvGrpSpPr/>
+        <p:nvPr/>
+      </p:nvGrpSpPr>
+      <p:grpSpPr>
+        <a:xfrm>
+          <a:off x="0" y="0"/>
+          <a:ext cx="0" cy="0"/>
+          <a:chOff x="0" y="0"/>
+          <a:chExt cx="0" cy="0"/>
+        </a:xfrm>
+      </p:grpSpPr>
+      <p:sp>
+        <p:nvSpPr>
+          <p:cNvPr id="2" name="幻灯片图像占位符 1"/>
+          <p:cNvSpPr>
+            <a:spLocks noGrp="1" noRot="1" noChangeAspect="1"/>
+          </p:cNvSpPr>
+          <p:nvPr>
+            <p:ph type="sldImg"/>
+          </p:nvPr>
+        </p:nvSpPr>
+        <p:spPr/>
+      </p:sp>
+      <p:sp>
+        <p:nvSpPr>
+          <p:cNvPr id="3" name="备注占位符 2"/>
+          <p:cNvSpPr>
+            <a:spLocks noGrp="1"/>
+          </p:cNvSpPr>
+          <p:nvPr>
+            <p:ph type="body" idx="1"/>
+          </p:nvPr>
+        </p:nvSpPr>
+        <p:spPr/>
+        <p:txBody>
+          <a:bodyPr/>
+          <a:lstStyle/>
+          <a:p>
+            <a:endParaRPr lang="zh-CN" altLang="en-US" dirty="0"/>
+          </a:p>
+        </p:txBody>
+      </p:sp>
+      <p:sp>
+        <p:nvSpPr>
+          <p:cNvPr id="4" name="灯片编号占位符 3"/>
+          <p:cNvSpPr>
+            <a:spLocks noGrp="1"/>
+          </p:cNvSpPr>
+          <p:nvPr>
+            <p:ph type="sldNum" sz="quarter" idx="10"/>
+          </p:nvPr>
+        </p:nvSpPr>
+        <p:spPr/>
+        <p:txBody>
+          <a:bodyPr/>
+          <a:lstStyle/>
+          <a:p>
+            <a:fld id="{D62A80DA-2C88-480B-A683-D200A0428AC4}" type="slidenum">
+              <a:rPr lang="zh-CN" altLang="en-US" smtClean="0"/>
+              <a:t>6</a:t>
+            </a:fld>
+            <a:endParaRPr lang="zh-CN" altLang="en-US"/>
+          </a:p>
+        </p:txBody>
+      </p:sp>
+    </p:spTree>
+    <p:extLst>
+      <p:ext uri="{BB962C8B-B14F-4D97-AF65-F5344CB8AC3E}">
+        <p14:creationId xmlns:p14="http://schemas.microsoft.com/office/powerpoint/2010/main" val="3222988867"/>
+      </p:ext>
+    </p:extLst>
+  </p:cSld>
+  <p:clrMapOvr>
+    <a:masterClrMapping/>
+  </p:clrMapOvr>
+</p:notes>
+</file>
+
 <file path=ppt/slideLayouts/slideLayout1.xml><?xml version="1.0" encoding="utf-8"?>
 <p:sldLayout xmlns:a="http://schemas.openxmlformats.org/drawingml/2006/main" xmlns:r="http://schemas.openxmlformats.org/officeDocument/2006/relationships" xmlns:p="http://schemas.openxmlformats.org/presentationml/2006/main" type="blank" preserve="1">
   <p:cSld name="Blank Slide">
@@ -3417,10 +3587,6 @@
               </a:rPr>
               <a:t>:</a:t>
             </a:r>
-            <a:endParaRPr lang="en-US" altLang="zh-CN" b="1" dirty="0" smtClean="0">
-              <a:latin typeface="华文楷体" pitchFamily="2" charset="-122"/>
-              <a:ea typeface="华文楷体" pitchFamily="2" charset="-122"/>
-            </a:endParaRPr>
           </a:p>
           <a:p>
             <a:r>
@@ -3843,6 +4009,664 @@
     <p:extLst>
       <p:ext uri="{BB962C8B-B14F-4D97-AF65-F5344CB8AC3E}">
         <p14:creationId xmlns:p14="http://schemas.microsoft.com/office/powerpoint/2010/main" val="3566286496"/>
+      </p:ext>
+    </p:extLst>
+  </p:cSld>
+  <p:clrMapOvr>
+    <a:masterClrMapping/>
+  </p:clrMapOvr>
+  <p:timing>
+    <p:tnLst>
+      <p:par>
+        <p:cTn id="1" dur="indefinite" restart="never" nodeType="tmRoot"/>
+      </p:par>
+    </p:tnLst>
+  </p:timing>
+</p:sld>
+</file>
+
+<file path=ppt/slides/slide5.xml><?xml version="1.0" encoding="utf-8"?>
+<p:sld xmlns:a="http://schemas.openxmlformats.org/drawingml/2006/main" xmlns:r="http://schemas.openxmlformats.org/officeDocument/2006/relationships" xmlns:p="http://schemas.openxmlformats.org/presentationml/2006/main">
+  <p:cSld>
+    <p:spTree>
+      <p:nvGrpSpPr>
+        <p:cNvPr id="1" name=""/>
+        <p:cNvGrpSpPr/>
+        <p:nvPr/>
+      </p:nvGrpSpPr>
+      <p:grpSpPr>
+        <a:xfrm>
+          <a:off x="0" y="0"/>
+          <a:ext cx="0" cy="0"/>
+          <a:chOff x="0" y="0"/>
+          <a:chExt cx="0" cy="0"/>
+        </a:xfrm>
+      </p:grpSpPr>
+      <p:pic>
+        <p:nvPicPr>
+          <p:cNvPr id="4" name="图片 3"/>
+          <p:cNvPicPr>
+            <a:picLocks noChangeAspect="1"/>
+          </p:cNvPicPr>
+          <p:nvPr/>
+        </p:nvPicPr>
+        <p:blipFill>
+          <a:blip r:embed="rId3" cstate="print">
+            <a:extLst>
+              <a:ext uri="{28A0092B-C50C-407E-A947-70E740481C1C}">
+                <a14:useLocalDpi xmlns:a14="http://schemas.microsoft.com/office/drawing/2010/main" val="0"/>
+              </a:ext>
+            </a:extLst>
+          </a:blip>
+          <a:stretch>
+            <a:fillRect/>
+          </a:stretch>
+        </p:blipFill>
+        <p:spPr>
+          <a:xfrm>
+            <a:off x="0" y="-19932"/>
+            <a:ext cx="1570922" cy="717164"/>
+          </a:xfrm>
+          <a:prstGeom prst="rect">
+            <a:avLst/>
+          </a:prstGeom>
+        </p:spPr>
+      </p:pic>
+      <p:sp>
+        <p:nvSpPr>
+          <p:cNvPr id="7" name="矩形 6"/>
+          <p:cNvSpPr/>
+          <p:nvPr/>
+        </p:nvSpPr>
+        <p:spPr>
+          <a:xfrm>
+            <a:off x="2051720" y="1047949"/>
+            <a:ext cx="1105061" cy="733534"/>
+          </a:xfrm>
+          <a:prstGeom prst="rect">
+            <a:avLst/>
+          </a:prstGeom>
+        </p:spPr>
+        <p:txBody>
+          <a:bodyPr wrap="square">
+            <a:spAutoFit/>
+          </a:bodyPr>
+          <a:lstStyle/>
+          <a:p>
+            <a:pPr>
+              <a:lnSpc>
+                <a:spcPts val="5000"/>
+              </a:lnSpc>
+            </a:pPr>
+            <a:r>
+              <a:rPr lang="en-US" altLang="zh-CN" sz="3600" b="1" dirty="0">
+                <a:solidFill>
+                  <a:schemeClr val="bg1"/>
+                </a:solidFill>
+                <a:latin typeface="华文行楷" pitchFamily="2" charset="-122"/>
+                <a:ea typeface="华文行楷" pitchFamily="2" charset="-122"/>
+              </a:rPr>
+              <a:t>CAS</a:t>
+            </a:r>
+            <a:endParaRPr lang="zh-CN" altLang="zh-CN" sz="3600" b="1" dirty="0">
+              <a:solidFill>
+                <a:schemeClr val="bg1"/>
+              </a:solidFill>
+              <a:latin typeface="华文行楷" pitchFamily="2" charset="-122"/>
+              <a:ea typeface="华文行楷" pitchFamily="2" charset="-122"/>
+            </a:endParaRPr>
+          </a:p>
+        </p:txBody>
+      </p:sp>
+      <p:sp>
+        <p:nvSpPr>
+          <p:cNvPr id="9" name="矩形 8"/>
+          <p:cNvSpPr/>
+          <p:nvPr/>
+        </p:nvSpPr>
+        <p:spPr>
+          <a:xfrm>
+            <a:off x="1197159" y="327900"/>
+            <a:ext cx="1709122" cy="369332"/>
+          </a:xfrm>
+          <a:prstGeom prst="rect">
+            <a:avLst/>
+          </a:prstGeom>
+        </p:spPr>
+        <p:txBody>
+          <a:bodyPr wrap="none">
+            <a:spAutoFit/>
+          </a:bodyPr>
+          <a:lstStyle/>
+          <a:p>
+            <a:r>
+              <a:rPr lang="zh-CN" altLang="zh-CN" b="1" dirty="0">
+                <a:solidFill>
+                  <a:srgbClr val="C00000"/>
+                </a:solidFill>
+                <a:latin typeface="华文行楷" pitchFamily="2" charset="-122"/>
+                <a:ea typeface="华文行楷" pitchFamily="2" charset="-122"/>
+              </a:rPr>
+              <a:t>集合与</a:t>
+            </a:r>
+            <a:r>
+              <a:rPr lang="en-US" altLang="zh-CN" b="1" dirty="0">
+                <a:solidFill>
+                  <a:srgbClr val="C00000"/>
+                </a:solidFill>
+                <a:latin typeface="华文行楷" pitchFamily="2" charset="-122"/>
+                <a:ea typeface="华文行楷" pitchFamily="2" charset="-122"/>
+              </a:rPr>
+              <a:t>JUC</a:t>
+            </a:r>
+            <a:r>
+              <a:rPr lang="zh-CN" altLang="zh-CN" b="1" dirty="0">
+                <a:solidFill>
+                  <a:srgbClr val="C00000"/>
+                </a:solidFill>
+                <a:latin typeface="华文行楷" pitchFamily="2" charset="-122"/>
+                <a:ea typeface="华文行楷" pitchFamily="2" charset="-122"/>
+              </a:rPr>
+              <a:t>框架</a:t>
+            </a:r>
+            <a:endParaRPr lang="zh-CN" altLang="en-US" b="1" dirty="0">
+              <a:solidFill>
+                <a:srgbClr val="C00000"/>
+              </a:solidFill>
+              <a:latin typeface="华文行楷" pitchFamily="2" charset="-122"/>
+              <a:ea typeface="华文行楷" pitchFamily="2" charset="-122"/>
+            </a:endParaRPr>
+          </a:p>
+        </p:txBody>
+      </p:sp>
+      <p:sp>
+        <p:nvSpPr>
+          <p:cNvPr id="8" name="流程图: 决策 7"/>
+          <p:cNvSpPr/>
+          <p:nvPr/>
+        </p:nvSpPr>
+        <p:spPr>
+          <a:xfrm>
+            <a:off x="107247" y="766644"/>
+            <a:ext cx="4320737" cy="1296144"/>
+          </a:xfrm>
+          <a:prstGeom prst="flowChartDecision">
+            <a:avLst/>
+          </a:prstGeom>
+          <a:solidFill>
+            <a:srgbClr val="C00000"/>
+          </a:solidFill>
+          <a:ln>
+            <a:noFill/>
+          </a:ln>
+        </p:spPr>
+        <p:style>
+          <a:lnRef idx="2">
+            <a:schemeClr val="accent1">
+              <a:shade val="50000"/>
+            </a:schemeClr>
+          </a:lnRef>
+          <a:fillRef idx="1">
+            <a:schemeClr val="accent1"/>
+          </a:fillRef>
+          <a:effectRef idx="0">
+            <a:schemeClr val="accent1"/>
+          </a:effectRef>
+          <a:fontRef idx="minor">
+            <a:schemeClr val="lt1"/>
+          </a:fontRef>
+        </p:style>
+        <p:txBody>
+          <a:bodyPr rtlCol="0" anchor="ctr"/>
+          <a:lstStyle/>
+          <a:p>
+            <a:r>
+              <a:rPr lang="zh-CN" altLang="en-US" sz="2400" b="1" dirty="0" smtClean="0">
+                <a:latin typeface="华文行楷" pitchFamily="2" charset="-122"/>
+                <a:ea typeface="华文行楷" pitchFamily="2" charset="-122"/>
+              </a:rPr>
+              <a:t>高并发优化手段</a:t>
+            </a:r>
+            <a:endParaRPr lang="zh-CN" altLang="zh-CN" sz="2400" b="1" dirty="0">
+              <a:latin typeface="华文行楷" pitchFamily="2" charset="-122"/>
+              <a:ea typeface="华文行楷" pitchFamily="2" charset="-122"/>
+            </a:endParaRPr>
+          </a:p>
+        </p:txBody>
+      </p:sp>
+      <p:sp>
+        <p:nvSpPr>
+          <p:cNvPr id="3" name="矩形 2"/>
+          <p:cNvSpPr/>
+          <p:nvPr/>
+        </p:nvSpPr>
+        <p:spPr>
+          <a:xfrm>
+            <a:off x="870781" y="2708920"/>
+            <a:ext cx="4572000" cy="1754326"/>
+          </a:xfrm>
+          <a:prstGeom prst="rect">
+            <a:avLst/>
+          </a:prstGeom>
+        </p:spPr>
+        <p:txBody>
+          <a:bodyPr>
+            <a:spAutoFit/>
+          </a:bodyPr>
+          <a:lstStyle/>
+          <a:p>
+            <a:r>
+              <a:rPr lang="zh-CN" altLang="en-US" b="1" dirty="0" smtClean="0">
+                <a:latin typeface="华文楷体" pitchFamily="2" charset="-122"/>
+                <a:ea typeface="华文楷体" pitchFamily="2" charset="-122"/>
+              </a:rPr>
+              <a:t>高并发优化解决</a:t>
+            </a:r>
+            <a:r>
+              <a:rPr lang="zh-CN" altLang="en-US" b="1" dirty="0">
+                <a:latin typeface="华文楷体" pitchFamily="2" charset="-122"/>
+                <a:ea typeface="华文楷体" pitchFamily="2" charset="-122"/>
+              </a:rPr>
+              <a:t>方案</a:t>
+            </a:r>
+            <a:r>
+              <a:rPr lang="en-US" altLang="zh-CN" b="1" dirty="0">
+                <a:latin typeface="华文楷体" pitchFamily="2" charset="-122"/>
+                <a:ea typeface="华文楷体" pitchFamily="2" charset="-122"/>
+              </a:rPr>
+              <a:t>:</a:t>
+            </a:r>
+          </a:p>
+          <a:p>
+            <a:r>
+              <a:rPr lang="en-US" altLang="zh-CN" b="1" dirty="0">
+                <a:latin typeface="华文楷体" pitchFamily="2" charset="-122"/>
+                <a:ea typeface="华文楷体" pitchFamily="2" charset="-122"/>
+              </a:rPr>
+              <a:t>1</a:t>
+            </a:r>
+            <a:r>
+              <a:rPr lang="zh-CN" altLang="en-US" b="1" dirty="0" smtClean="0">
+                <a:latin typeface="华文楷体" pitchFamily="2" charset="-122"/>
+                <a:ea typeface="华文楷体" pitchFamily="2" charset="-122"/>
+              </a:rPr>
+              <a:t>、缓存</a:t>
+            </a:r>
+            <a:endParaRPr lang="en-US" altLang="zh-CN" b="1" dirty="0" smtClean="0">
+              <a:latin typeface="华文楷体" pitchFamily="2" charset="-122"/>
+              <a:ea typeface="华文楷体" pitchFamily="2" charset="-122"/>
+            </a:endParaRPr>
+          </a:p>
+          <a:p>
+            <a:r>
+              <a:rPr lang="en-US" altLang="zh-CN" b="1" dirty="0" smtClean="0">
+                <a:latin typeface="华文楷体" pitchFamily="2" charset="-122"/>
+                <a:ea typeface="华文楷体" pitchFamily="2" charset="-122"/>
+              </a:rPr>
+              <a:t>2</a:t>
+            </a:r>
+            <a:r>
+              <a:rPr lang="zh-CN" altLang="en-US" b="1" dirty="0" smtClean="0">
+                <a:latin typeface="华文楷体" pitchFamily="2" charset="-122"/>
+                <a:ea typeface="华文楷体" pitchFamily="2" charset="-122"/>
+              </a:rPr>
+              <a:t>、服务降级</a:t>
+            </a:r>
+            <a:endParaRPr lang="zh-CN" altLang="en-US" b="1" dirty="0">
+              <a:latin typeface="华文楷体" pitchFamily="2" charset="-122"/>
+              <a:ea typeface="华文楷体" pitchFamily="2" charset="-122"/>
+            </a:endParaRPr>
+          </a:p>
+          <a:p>
+            <a:r>
+              <a:rPr lang="en-US" altLang="zh-CN" b="1" dirty="0">
+                <a:latin typeface="华文楷体" pitchFamily="2" charset="-122"/>
+                <a:ea typeface="华文楷体" pitchFamily="2" charset="-122"/>
+              </a:rPr>
+              <a:t>3</a:t>
+            </a:r>
+            <a:r>
+              <a:rPr lang="zh-CN" altLang="en-US" b="1" dirty="0" smtClean="0">
+                <a:latin typeface="华文楷体" pitchFamily="2" charset="-122"/>
+                <a:ea typeface="华文楷体" pitchFamily="2" charset="-122"/>
+              </a:rPr>
+              <a:t>、接口限流</a:t>
+            </a:r>
+            <a:endParaRPr lang="zh-CN" altLang="en-US" b="1" dirty="0">
+              <a:latin typeface="华文楷体" pitchFamily="2" charset="-122"/>
+              <a:ea typeface="华文楷体" pitchFamily="2" charset="-122"/>
+            </a:endParaRPr>
+          </a:p>
+          <a:p>
+            <a:r>
+              <a:rPr lang="en-US" altLang="zh-CN" b="1" dirty="0">
+                <a:latin typeface="华文楷体" pitchFamily="2" charset="-122"/>
+                <a:ea typeface="华文楷体" pitchFamily="2" charset="-122"/>
+              </a:rPr>
+              <a:t>4</a:t>
+            </a:r>
+            <a:r>
+              <a:rPr lang="zh-CN" altLang="en-US" b="1" dirty="0" smtClean="0">
+                <a:latin typeface="华文楷体" pitchFamily="2" charset="-122"/>
+                <a:ea typeface="华文楷体" pitchFamily="2" charset="-122"/>
+              </a:rPr>
+              <a:t>、流量切换</a:t>
+            </a:r>
+            <a:endParaRPr lang="en-US" altLang="zh-CN" b="1" dirty="0" smtClean="0">
+              <a:latin typeface="华文楷体" pitchFamily="2" charset="-122"/>
+              <a:ea typeface="华文楷体" pitchFamily="2" charset="-122"/>
+            </a:endParaRPr>
+          </a:p>
+          <a:p>
+            <a:endParaRPr lang="zh-CN" altLang="zh-CN" dirty="0">
+              <a:latin typeface="华文楷体" pitchFamily="2" charset="-122"/>
+              <a:ea typeface="华文楷体" pitchFamily="2" charset="-122"/>
+            </a:endParaRPr>
+          </a:p>
+        </p:txBody>
+      </p:sp>
+    </p:spTree>
+    <p:extLst>
+      <p:ext uri="{BB962C8B-B14F-4D97-AF65-F5344CB8AC3E}">
+        <p14:creationId xmlns:p14="http://schemas.microsoft.com/office/powerpoint/2010/main" val="2477840035"/>
+      </p:ext>
+    </p:extLst>
+  </p:cSld>
+  <p:clrMapOvr>
+    <a:masterClrMapping/>
+  </p:clrMapOvr>
+  <p:timing>
+    <p:tnLst>
+      <p:par>
+        <p:cTn id="1" dur="indefinite" restart="never" nodeType="tmRoot"/>
+      </p:par>
+    </p:tnLst>
+  </p:timing>
+</p:sld>
+</file>
+
+<file path=ppt/slides/slide6.xml><?xml version="1.0" encoding="utf-8"?>
+<p:sld xmlns:a="http://schemas.openxmlformats.org/drawingml/2006/main" xmlns:r="http://schemas.openxmlformats.org/officeDocument/2006/relationships" xmlns:p="http://schemas.openxmlformats.org/presentationml/2006/main">
+  <p:cSld>
+    <p:spTree>
+      <p:nvGrpSpPr>
+        <p:cNvPr id="1" name=""/>
+        <p:cNvGrpSpPr/>
+        <p:nvPr/>
+      </p:nvGrpSpPr>
+      <p:grpSpPr>
+        <a:xfrm>
+          <a:off x="0" y="0"/>
+          <a:ext cx="0" cy="0"/>
+          <a:chOff x="0" y="0"/>
+          <a:chExt cx="0" cy="0"/>
+        </a:xfrm>
+      </p:grpSpPr>
+      <p:pic>
+        <p:nvPicPr>
+          <p:cNvPr id="4" name="图片 3"/>
+          <p:cNvPicPr>
+            <a:picLocks noChangeAspect="1"/>
+          </p:cNvPicPr>
+          <p:nvPr/>
+        </p:nvPicPr>
+        <p:blipFill>
+          <a:blip r:embed="rId3" cstate="print">
+            <a:extLst>
+              <a:ext uri="{28A0092B-C50C-407E-A947-70E740481C1C}">
+                <a14:useLocalDpi xmlns:a14="http://schemas.microsoft.com/office/drawing/2010/main" val="0"/>
+              </a:ext>
+            </a:extLst>
+          </a:blip>
+          <a:stretch>
+            <a:fillRect/>
+          </a:stretch>
+        </p:blipFill>
+        <p:spPr>
+          <a:xfrm>
+            <a:off x="0" y="-19932"/>
+            <a:ext cx="1570922" cy="717164"/>
+          </a:xfrm>
+          <a:prstGeom prst="rect">
+            <a:avLst/>
+          </a:prstGeom>
+        </p:spPr>
+      </p:pic>
+      <p:sp>
+        <p:nvSpPr>
+          <p:cNvPr id="7" name="矩形 6"/>
+          <p:cNvSpPr/>
+          <p:nvPr/>
+        </p:nvSpPr>
+        <p:spPr>
+          <a:xfrm>
+            <a:off x="2051720" y="1047949"/>
+            <a:ext cx="1105061" cy="733534"/>
+          </a:xfrm>
+          <a:prstGeom prst="rect">
+            <a:avLst/>
+          </a:prstGeom>
+        </p:spPr>
+        <p:txBody>
+          <a:bodyPr wrap="square">
+            <a:spAutoFit/>
+          </a:bodyPr>
+          <a:lstStyle/>
+          <a:p>
+            <a:pPr>
+              <a:lnSpc>
+                <a:spcPts val="5000"/>
+              </a:lnSpc>
+            </a:pPr>
+            <a:r>
+              <a:rPr lang="en-US" altLang="zh-CN" sz="3600" b="1" dirty="0">
+                <a:solidFill>
+                  <a:schemeClr val="bg1"/>
+                </a:solidFill>
+                <a:latin typeface="华文行楷" pitchFamily="2" charset="-122"/>
+                <a:ea typeface="华文行楷" pitchFamily="2" charset="-122"/>
+              </a:rPr>
+              <a:t>CAS</a:t>
+            </a:r>
+            <a:endParaRPr lang="zh-CN" altLang="zh-CN" sz="3600" b="1" dirty="0">
+              <a:solidFill>
+                <a:schemeClr val="bg1"/>
+              </a:solidFill>
+              <a:latin typeface="华文行楷" pitchFamily="2" charset="-122"/>
+              <a:ea typeface="华文行楷" pitchFamily="2" charset="-122"/>
+            </a:endParaRPr>
+          </a:p>
+        </p:txBody>
+      </p:sp>
+      <p:sp>
+        <p:nvSpPr>
+          <p:cNvPr id="9" name="矩形 8"/>
+          <p:cNvSpPr/>
+          <p:nvPr/>
+        </p:nvSpPr>
+        <p:spPr>
+          <a:xfrm>
+            <a:off x="1197159" y="327900"/>
+            <a:ext cx="1709122" cy="369332"/>
+          </a:xfrm>
+          <a:prstGeom prst="rect">
+            <a:avLst/>
+          </a:prstGeom>
+        </p:spPr>
+        <p:txBody>
+          <a:bodyPr wrap="none">
+            <a:spAutoFit/>
+          </a:bodyPr>
+          <a:lstStyle/>
+          <a:p>
+            <a:r>
+              <a:rPr lang="zh-CN" altLang="zh-CN" b="1" dirty="0">
+                <a:solidFill>
+                  <a:srgbClr val="C00000"/>
+                </a:solidFill>
+                <a:latin typeface="华文行楷" pitchFamily="2" charset="-122"/>
+                <a:ea typeface="华文行楷" pitchFamily="2" charset="-122"/>
+              </a:rPr>
+              <a:t>集合与</a:t>
+            </a:r>
+            <a:r>
+              <a:rPr lang="en-US" altLang="zh-CN" b="1" dirty="0">
+                <a:solidFill>
+                  <a:srgbClr val="C00000"/>
+                </a:solidFill>
+                <a:latin typeface="华文行楷" pitchFamily="2" charset="-122"/>
+                <a:ea typeface="华文行楷" pitchFamily="2" charset="-122"/>
+              </a:rPr>
+              <a:t>JUC</a:t>
+            </a:r>
+            <a:r>
+              <a:rPr lang="zh-CN" altLang="zh-CN" b="1" dirty="0">
+                <a:solidFill>
+                  <a:srgbClr val="C00000"/>
+                </a:solidFill>
+                <a:latin typeface="华文行楷" pitchFamily="2" charset="-122"/>
+                <a:ea typeface="华文行楷" pitchFamily="2" charset="-122"/>
+              </a:rPr>
+              <a:t>框架</a:t>
+            </a:r>
+            <a:endParaRPr lang="zh-CN" altLang="en-US" b="1" dirty="0">
+              <a:solidFill>
+                <a:srgbClr val="C00000"/>
+              </a:solidFill>
+              <a:latin typeface="华文行楷" pitchFamily="2" charset="-122"/>
+              <a:ea typeface="华文行楷" pitchFamily="2" charset="-122"/>
+            </a:endParaRPr>
+          </a:p>
+        </p:txBody>
+      </p:sp>
+      <p:sp>
+        <p:nvSpPr>
+          <p:cNvPr id="8" name="流程图: 决策 7"/>
+          <p:cNvSpPr/>
+          <p:nvPr/>
+        </p:nvSpPr>
+        <p:spPr>
+          <a:xfrm>
+            <a:off x="107247" y="766644"/>
+            <a:ext cx="4320737" cy="1296144"/>
+          </a:xfrm>
+          <a:prstGeom prst="flowChartDecision">
+            <a:avLst/>
+          </a:prstGeom>
+          <a:solidFill>
+            <a:srgbClr val="C00000"/>
+          </a:solidFill>
+          <a:ln>
+            <a:noFill/>
+          </a:ln>
+        </p:spPr>
+        <p:style>
+          <a:lnRef idx="2">
+            <a:schemeClr val="accent1">
+              <a:shade val="50000"/>
+            </a:schemeClr>
+          </a:lnRef>
+          <a:fillRef idx="1">
+            <a:schemeClr val="accent1"/>
+          </a:fillRef>
+          <a:effectRef idx="0">
+            <a:schemeClr val="accent1"/>
+          </a:effectRef>
+          <a:fontRef idx="minor">
+            <a:schemeClr val="lt1"/>
+          </a:fontRef>
+        </p:style>
+        <p:txBody>
+          <a:bodyPr rtlCol="0" anchor="ctr"/>
+          <a:lstStyle/>
+          <a:p>
+            <a:r>
+              <a:rPr lang="en-US" altLang="zh-CN" sz="2400" b="1" dirty="0" smtClean="0">
+                <a:latin typeface="华文行楷" pitchFamily="2" charset="-122"/>
+                <a:ea typeface="华文行楷" pitchFamily="2" charset="-122"/>
+              </a:rPr>
+              <a:t>MQ</a:t>
+            </a:r>
+            <a:r>
+              <a:rPr lang="zh-CN" altLang="en-US" sz="2400" b="1" dirty="0" smtClean="0">
+                <a:latin typeface="华文行楷" pitchFamily="2" charset="-122"/>
+                <a:ea typeface="华文行楷" pitchFamily="2" charset="-122"/>
+              </a:rPr>
+              <a:t>消息积压</a:t>
+            </a:r>
+            <a:endParaRPr lang="zh-CN" altLang="zh-CN" sz="2400" b="1" dirty="0">
+              <a:latin typeface="华文行楷" pitchFamily="2" charset="-122"/>
+              <a:ea typeface="华文行楷" pitchFamily="2" charset="-122"/>
+            </a:endParaRPr>
+          </a:p>
+        </p:txBody>
+      </p:sp>
+      <p:sp>
+        <p:nvSpPr>
+          <p:cNvPr id="3" name="矩形 2"/>
+          <p:cNvSpPr/>
+          <p:nvPr/>
+        </p:nvSpPr>
+        <p:spPr>
+          <a:xfrm>
+            <a:off x="870780" y="2708920"/>
+            <a:ext cx="7805675" cy="646331"/>
+          </a:xfrm>
+          <a:prstGeom prst="rect">
+            <a:avLst/>
+          </a:prstGeom>
+        </p:spPr>
+        <p:txBody>
+          <a:bodyPr wrap="square">
+            <a:spAutoFit/>
+          </a:bodyPr>
+          <a:lstStyle/>
+          <a:p>
+            <a:r>
+              <a:rPr lang="zh-CN" altLang="en-US" dirty="0" smtClean="0">
+                <a:latin typeface="华文楷体" pitchFamily="2" charset="-122"/>
+                <a:ea typeface="华文楷体" pitchFamily="2" charset="-122"/>
+              </a:rPr>
+              <a:t> 定时任务调度集中式发送消息，消息积压如何优化？</a:t>
+            </a:r>
+            <a:endParaRPr lang="en-US" altLang="zh-CN" dirty="0" smtClean="0">
+              <a:latin typeface="华文楷体" pitchFamily="2" charset="-122"/>
+              <a:ea typeface="华文楷体" pitchFamily="2" charset="-122"/>
+            </a:endParaRPr>
+          </a:p>
+          <a:p>
+            <a:r>
+              <a:rPr lang="en-US" altLang="zh-CN" dirty="0" smtClean="0">
+                <a:latin typeface="华文楷体" pitchFamily="2" charset="-122"/>
+                <a:ea typeface="华文楷体" pitchFamily="2" charset="-122"/>
+              </a:rPr>
+              <a:t>1</a:t>
+            </a:r>
+            <a:r>
+              <a:rPr lang="zh-CN" altLang="en-US" dirty="0" smtClean="0">
+                <a:latin typeface="华文楷体" pitchFamily="2" charset="-122"/>
+                <a:ea typeface="华文楷体" pitchFamily="2" charset="-122"/>
+              </a:rPr>
+              <a:t>、采用内存数据库。比如</a:t>
+            </a:r>
+            <a:r>
+              <a:rPr lang="en-US" altLang="zh-CN" dirty="0">
+                <a:latin typeface="华文楷体" pitchFamily="2" charset="-122"/>
+                <a:ea typeface="华文楷体" pitchFamily="2" charset="-122"/>
+              </a:rPr>
+              <a:t>chronicle</a:t>
+            </a:r>
+            <a:endParaRPr lang="en-US" altLang="zh-CN" dirty="0" smtClean="0">
+              <a:latin typeface="华文楷体" pitchFamily="2" charset="-122"/>
+              <a:ea typeface="华文楷体" pitchFamily="2" charset="-122"/>
+            </a:endParaRPr>
+          </a:p>
+        </p:txBody>
+      </p:sp>
+    </p:spTree>
+    <p:extLst>
+      <p:ext uri="{BB962C8B-B14F-4D97-AF65-F5344CB8AC3E}">
+        <p14:creationId xmlns:p14="http://schemas.microsoft.com/office/powerpoint/2010/main" val="3307950865"/>
       </p:ext>
     </p:extLst>
   </p:cSld>

--- a/移动网站架构.pptx
+++ b/移动网站架构.pptx
@@ -5,15 +5,18 @@
     <p:sldMasterId id="2147483661" r:id="rId1"/>
   </p:sldMasterIdLst>
   <p:notesMasterIdLst>
-    <p:notesMasterId r:id="rId8"/>
+    <p:notesMasterId r:id="rId11"/>
   </p:notesMasterIdLst>
   <p:sldIdLst>
     <p:sldId id="262" r:id="rId2"/>
     <p:sldId id="340" r:id="rId3"/>
-    <p:sldId id="341" r:id="rId4"/>
-    <p:sldId id="342" r:id="rId5"/>
-    <p:sldId id="343" r:id="rId6"/>
-    <p:sldId id="344" r:id="rId7"/>
+    <p:sldId id="343" r:id="rId4"/>
+    <p:sldId id="341" r:id="rId5"/>
+    <p:sldId id="346" r:id="rId6"/>
+    <p:sldId id="342" r:id="rId7"/>
+    <p:sldId id="344" r:id="rId8"/>
+    <p:sldId id="347" r:id="rId9"/>
+    <p:sldId id="345" r:id="rId10"/>
   </p:sldIdLst>
   <p:sldSz cx="9144000" cy="6858000" type="screen4x3"/>
   <p:notesSz cx="7559675" cy="10691813"/>
@@ -197,7 +200,7 @@
           <a:p>
             <a:fld id="{EB13DD06-BFAC-4C87-81A0-7BCF951EE3DD}" type="datetimeFigureOut">
               <a:rPr lang="zh-CN" altLang="en-US" smtClean="0"/>
-              <a:t>2016/8/7</a:t>
+              <a:t>2016/8/15</a:t>
             </a:fld>
             <a:endParaRPr lang="zh-CN" altLang="en-US"/>
           </a:p>
@@ -509,7 +512,7 @@
           <a:bodyPr/>
           <a:lstStyle/>
           <a:p>
-            <a:endParaRPr lang="zh-CN" altLang="en-US" dirty="0"/>
+            <a:endParaRPr lang="zh-CN" altLang="en-US"/>
           </a:p>
         </p:txBody>
       </p:sp>
@@ -530,7 +533,7 @@
           <a:p>
             <a:fld id="{D62A80DA-2C88-480B-A683-D200A0428AC4}" type="slidenum">
               <a:rPr lang="zh-CN" altLang="en-US" smtClean="0"/>
-              <a:t>2</a:t>
+              <a:t>1</a:t>
             </a:fld>
             <a:endParaRPr lang="zh-CN" altLang="en-US"/>
           </a:p>
@@ -539,7 +542,7 @@
     </p:spTree>
     <p:extLst>
       <p:ext uri="{BB962C8B-B14F-4D97-AF65-F5344CB8AC3E}">
-        <p14:creationId xmlns:p14="http://schemas.microsoft.com/office/powerpoint/2010/main" val="3222988867"/>
+        <p14:creationId xmlns:p14="http://schemas.microsoft.com/office/powerpoint/2010/main" val="1102705300"/>
       </p:ext>
     </p:extLst>
   </p:cSld>
@@ -614,7 +617,7 @@
           <a:p>
             <a:fld id="{D62A80DA-2C88-480B-A683-D200A0428AC4}" type="slidenum">
               <a:rPr lang="zh-CN" altLang="en-US" smtClean="0"/>
-              <a:t>3</a:t>
+              <a:t>2</a:t>
             </a:fld>
             <a:endParaRPr lang="zh-CN" altLang="en-US"/>
           </a:p>
@@ -698,7 +701,7 @@
           <a:p>
             <a:fld id="{D62A80DA-2C88-480B-A683-D200A0428AC4}" type="slidenum">
               <a:rPr lang="zh-CN" altLang="en-US" smtClean="0"/>
-              <a:t>4</a:t>
+              <a:t>3</a:t>
             </a:fld>
             <a:endParaRPr lang="zh-CN" altLang="en-US"/>
           </a:p>
@@ -782,7 +785,7 @@
           <a:p>
             <a:fld id="{D62A80DA-2C88-480B-A683-D200A0428AC4}" type="slidenum">
               <a:rPr lang="zh-CN" altLang="en-US" smtClean="0"/>
-              <a:t>5</a:t>
+              <a:t>4</a:t>
             </a:fld>
             <a:endParaRPr lang="zh-CN" altLang="en-US"/>
           </a:p>
@@ -866,7 +869,347 @@
           <a:p>
             <a:fld id="{D62A80DA-2C88-480B-A683-D200A0428AC4}" type="slidenum">
               <a:rPr lang="zh-CN" altLang="en-US" smtClean="0"/>
+              <a:t>5</a:t>
+            </a:fld>
+            <a:endParaRPr lang="zh-CN" altLang="en-US"/>
+          </a:p>
+        </p:txBody>
+      </p:sp>
+    </p:spTree>
+    <p:extLst>
+      <p:ext uri="{BB962C8B-B14F-4D97-AF65-F5344CB8AC3E}">
+        <p14:creationId xmlns:p14="http://schemas.microsoft.com/office/powerpoint/2010/main" val="3222988867"/>
+      </p:ext>
+    </p:extLst>
+  </p:cSld>
+  <p:clrMapOvr>
+    <a:masterClrMapping/>
+  </p:clrMapOvr>
+</p:notes>
+</file>
+
+<file path=ppt/notesSlides/notesSlide6.xml><?xml version="1.0" encoding="utf-8"?>
+<p:notes xmlns:a="http://schemas.openxmlformats.org/drawingml/2006/main" xmlns:r="http://schemas.openxmlformats.org/officeDocument/2006/relationships" xmlns:p="http://schemas.openxmlformats.org/presentationml/2006/main">
+  <p:cSld>
+    <p:spTree>
+      <p:nvGrpSpPr>
+        <p:cNvPr id="1" name=""/>
+        <p:cNvGrpSpPr/>
+        <p:nvPr/>
+      </p:nvGrpSpPr>
+      <p:grpSpPr>
+        <a:xfrm>
+          <a:off x="0" y="0"/>
+          <a:ext cx="0" cy="0"/>
+          <a:chOff x="0" y="0"/>
+          <a:chExt cx="0" cy="0"/>
+        </a:xfrm>
+      </p:grpSpPr>
+      <p:sp>
+        <p:nvSpPr>
+          <p:cNvPr id="2" name="幻灯片图像占位符 1"/>
+          <p:cNvSpPr>
+            <a:spLocks noGrp="1" noRot="1" noChangeAspect="1"/>
+          </p:cNvSpPr>
+          <p:nvPr>
+            <p:ph type="sldImg"/>
+          </p:nvPr>
+        </p:nvSpPr>
+        <p:spPr/>
+      </p:sp>
+      <p:sp>
+        <p:nvSpPr>
+          <p:cNvPr id="3" name="备注占位符 2"/>
+          <p:cNvSpPr>
+            <a:spLocks noGrp="1"/>
+          </p:cNvSpPr>
+          <p:nvPr>
+            <p:ph type="body" idx="1"/>
+          </p:nvPr>
+        </p:nvSpPr>
+        <p:spPr/>
+        <p:txBody>
+          <a:bodyPr/>
+          <a:lstStyle/>
+          <a:p>
+            <a:endParaRPr lang="zh-CN" altLang="en-US" dirty="0"/>
+          </a:p>
+        </p:txBody>
+      </p:sp>
+      <p:sp>
+        <p:nvSpPr>
+          <p:cNvPr id="4" name="灯片编号占位符 3"/>
+          <p:cNvSpPr>
+            <a:spLocks noGrp="1"/>
+          </p:cNvSpPr>
+          <p:nvPr>
+            <p:ph type="sldNum" sz="quarter" idx="10"/>
+          </p:nvPr>
+        </p:nvSpPr>
+        <p:spPr/>
+        <p:txBody>
+          <a:bodyPr/>
+          <a:lstStyle/>
+          <a:p>
+            <a:fld id="{D62A80DA-2C88-480B-A683-D200A0428AC4}" type="slidenum">
+              <a:rPr lang="zh-CN" altLang="en-US" smtClean="0"/>
               <a:t>6</a:t>
+            </a:fld>
+            <a:endParaRPr lang="zh-CN" altLang="en-US"/>
+          </a:p>
+        </p:txBody>
+      </p:sp>
+    </p:spTree>
+    <p:extLst>
+      <p:ext uri="{BB962C8B-B14F-4D97-AF65-F5344CB8AC3E}">
+        <p14:creationId xmlns:p14="http://schemas.microsoft.com/office/powerpoint/2010/main" val="3222988867"/>
+      </p:ext>
+    </p:extLst>
+  </p:cSld>
+  <p:clrMapOvr>
+    <a:masterClrMapping/>
+  </p:clrMapOvr>
+</p:notes>
+</file>
+
+<file path=ppt/notesSlides/notesSlide7.xml><?xml version="1.0" encoding="utf-8"?>
+<p:notes xmlns:a="http://schemas.openxmlformats.org/drawingml/2006/main" xmlns:r="http://schemas.openxmlformats.org/officeDocument/2006/relationships" xmlns:p="http://schemas.openxmlformats.org/presentationml/2006/main">
+  <p:cSld>
+    <p:spTree>
+      <p:nvGrpSpPr>
+        <p:cNvPr id="1" name=""/>
+        <p:cNvGrpSpPr/>
+        <p:nvPr/>
+      </p:nvGrpSpPr>
+      <p:grpSpPr>
+        <a:xfrm>
+          <a:off x="0" y="0"/>
+          <a:ext cx="0" cy="0"/>
+          <a:chOff x="0" y="0"/>
+          <a:chExt cx="0" cy="0"/>
+        </a:xfrm>
+      </p:grpSpPr>
+      <p:sp>
+        <p:nvSpPr>
+          <p:cNvPr id="2" name="幻灯片图像占位符 1"/>
+          <p:cNvSpPr>
+            <a:spLocks noGrp="1" noRot="1" noChangeAspect="1"/>
+          </p:cNvSpPr>
+          <p:nvPr>
+            <p:ph type="sldImg"/>
+          </p:nvPr>
+        </p:nvSpPr>
+        <p:spPr/>
+      </p:sp>
+      <p:sp>
+        <p:nvSpPr>
+          <p:cNvPr id="3" name="备注占位符 2"/>
+          <p:cNvSpPr>
+            <a:spLocks noGrp="1"/>
+          </p:cNvSpPr>
+          <p:nvPr>
+            <p:ph type="body" idx="1"/>
+          </p:nvPr>
+        </p:nvSpPr>
+        <p:spPr/>
+        <p:txBody>
+          <a:bodyPr/>
+          <a:lstStyle/>
+          <a:p>
+            <a:endParaRPr lang="zh-CN" altLang="en-US" dirty="0"/>
+          </a:p>
+        </p:txBody>
+      </p:sp>
+      <p:sp>
+        <p:nvSpPr>
+          <p:cNvPr id="4" name="灯片编号占位符 3"/>
+          <p:cNvSpPr>
+            <a:spLocks noGrp="1"/>
+          </p:cNvSpPr>
+          <p:nvPr>
+            <p:ph type="sldNum" sz="quarter" idx="10"/>
+          </p:nvPr>
+        </p:nvSpPr>
+        <p:spPr/>
+        <p:txBody>
+          <a:bodyPr/>
+          <a:lstStyle/>
+          <a:p>
+            <a:fld id="{D62A80DA-2C88-480B-A683-D200A0428AC4}" type="slidenum">
+              <a:rPr lang="zh-CN" altLang="en-US" smtClean="0"/>
+              <a:t>7</a:t>
+            </a:fld>
+            <a:endParaRPr lang="zh-CN" altLang="en-US"/>
+          </a:p>
+        </p:txBody>
+      </p:sp>
+    </p:spTree>
+    <p:extLst>
+      <p:ext uri="{BB962C8B-B14F-4D97-AF65-F5344CB8AC3E}">
+        <p14:creationId xmlns:p14="http://schemas.microsoft.com/office/powerpoint/2010/main" val="3222988867"/>
+      </p:ext>
+    </p:extLst>
+  </p:cSld>
+  <p:clrMapOvr>
+    <a:masterClrMapping/>
+  </p:clrMapOvr>
+</p:notes>
+</file>
+
+<file path=ppt/notesSlides/notesSlide8.xml><?xml version="1.0" encoding="utf-8"?>
+<p:notes xmlns:a="http://schemas.openxmlformats.org/drawingml/2006/main" xmlns:r="http://schemas.openxmlformats.org/officeDocument/2006/relationships" xmlns:p="http://schemas.openxmlformats.org/presentationml/2006/main">
+  <p:cSld>
+    <p:spTree>
+      <p:nvGrpSpPr>
+        <p:cNvPr id="1" name=""/>
+        <p:cNvGrpSpPr/>
+        <p:nvPr/>
+      </p:nvGrpSpPr>
+      <p:grpSpPr>
+        <a:xfrm>
+          <a:off x="0" y="0"/>
+          <a:ext cx="0" cy="0"/>
+          <a:chOff x="0" y="0"/>
+          <a:chExt cx="0" cy="0"/>
+        </a:xfrm>
+      </p:grpSpPr>
+      <p:sp>
+        <p:nvSpPr>
+          <p:cNvPr id="2" name="幻灯片图像占位符 1"/>
+          <p:cNvSpPr>
+            <a:spLocks noGrp="1" noRot="1" noChangeAspect="1"/>
+          </p:cNvSpPr>
+          <p:nvPr>
+            <p:ph type="sldImg"/>
+          </p:nvPr>
+        </p:nvSpPr>
+        <p:spPr/>
+      </p:sp>
+      <p:sp>
+        <p:nvSpPr>
+          <p:cNvPr id="3" name="备注占位符 2"/>
+          <p:cNvSpPr>
+            <a:spLocks noGrp="1"/>
+          </p:cNvSpPr>
+          <p:nvPr>
+            <p:ph type="body" idx="1"/>
+          </p:nvPr>
+        </p:nvSpPr>
+        <p:spPr/>
+        <p:txBody>
+          <a:bodyPr/>
+          <a:lstStyle/>
+          <a:p>
+            <a:endParaRPr lang="zh-CN" altLang="en-US" dirty="0"/>
+          </a:p>
+        </p:txBody>
+      </p:sp>
+      <p:sp>
+        <p:nvSpPr>
+          <p:cNvPr id="4" name="灯片编号占位符 3"/>
+          <p:cNvSpPr>
+            <a:spLocks noGrp="1"/>
+          </p:cNvSpPr>
+          <p:nvPr>
+            <p:ph type="sldNum" sz="quarter" idx="10"/>
+          </p:nvPr>
+        </p:nvSpPr>
+        <p:spPr/>
+        <p:txBody>
+          <a:bodyPr/>
+          <a:lstStyle/>
+          <a:p>
+            <a:fld id="{D62A80DA-2C88-480B-A683-D200A0428AC4}" type="slidenum">
+              <a:rPr lang="zh-CN" altLang="en-US" smtClean="0"/>
+              <a:t>8</a:t>
+            </a:fld>
+            <a:endParaRPr lang="zh-CN" altLang="en-US"/>
+          </a:p>
+        </p:txBody>
+      </p:sp>
+    </p:spTree>
+    <p:extLst>
+      <p:ext uri="{BB962C8B-B14F-4D97-AF65-F5344CB8AC3E}">
+        <p14:creationId xmlns:p14="http://schemas.microsoft.com/office/powerpoint/2010/main" val="3222988867"/>
+      </p:ext>
+    </p:extLst>
+  </p:cSld>
+  <p:clrMapOvr>
+    <a:masterClrMapping/>
+  </p:clrMapOvr>
+</p:notes>
+</file>
+
+<file path=ppt/notesSlides/notesSlide9.xml><?xml version="1.0" encoding="utf-8"?>
+<p:notes xmlns:a="http://schemas.openxmlformats.org/drawingml/2006/main" xmlns:r="http://schemas.openxmlformats.org/officeDocument/2006/relationships" xmlns:p="http://schemas.openxmlformats.org/presentationml/2006/main">
+  <p:cSld>
+    <p:spTree>
+      <p:nvGrpSpPr>
+        <p:cNvPr id="1" name=""/>
+        <p:cNvGrpSpPr/>
+        <p:nvPr/>
+      </p:nvGrpSpPr>
+      <p:grpSpPr>
+        <a:xfrm>
+          <a:off x="0" y="0"/>
+          <a:ext cx="0" cy="0"/>
+          <a:chOff x="0" y="0"/>
+          <a:chExt cx="0" cy="0"/>
+        </a:xfrm>
+      </p:grpSpPr>
+      <p:sp>
+        <p:nvSpPr>
+          <p:cNvPr id="2" name="幻灯片图像占位符 1"/>
+          <p:cNvSpPr>
+            <a:spLocks noGrp="1" noRot="1" noChangeAspect="1"/>
+          </p:cNvSpPr>
+          <p:nvPr>
+            <p:ph type="sldImg"/>
+          </p:nvPr>
+        </p:nvSpPr>
+        <p:spPr/>
+      </p:sp>
+      <p:sp>
+        <p:nvSpPr>
+          <p:cNvPr id="3" name="备注占位符 2"/>
+          <p:cNvSpPr>
+            <a:spLocks noGrp="1"/>
+          </p:cNvSpPr>
+          <p:nvPr>
+            <p:ph type="body" idx="1"/>
+          </p:nvPr>
+        </p:nvSpPr>
+        <p:spPr/>
+        <p:txBody>
+          <a:bodyPr/>
+          <a:lstStyle/>
+          <a:p>
+            <a:r>
+              <a:rPr lang="en-US" altLang="zh-CN" dirty="0" smtClean="0"/>
+              <a:t>agent</a:t>
+            </a:r>
+            <a:endParaRPr lang="zh-CN" altLang="en-US" dirty="0"/>
+          </a:p>
+        </p:txBody>
+      </p:sp>
+      <p:sp>
+        <p:nvSpPr>
+          <p:cNvPr id="4" name="灯片编号占位符 3"/>
+          <p:cNvSpPr>
+            <a:spLocks noGrp="1"/>
+          </p:cNvSpPr>
+          <p:nvPr>
+            <p:ph type="sldNum" sz="quarter" idx="10"/>
+          </p:nvPr>
+        </p:nvSpPr>
+        <p:spPr/>
+        <p:txBody>
+          <a:bodyPr/>
+          <a:lstStyle/>
+          <a:p>
+            <a:fld id="{D62A80DA-2C88-480B-A683-D200A0428AC4}" type="slidenum">
+              <a:rPr lang="zh-CN" altLang="en-US" smtClean="0"/>
+              <a:t>9</a:t>
             </a:fld>
             <a:endParaRPr lang="zh-CN" altLang="en-US"/>
           </a:p>
@@ -2587,7 +2930,7 @@
           <p:nvPr/>
         </p:nvPicPr>
         <p:blipFill>
-          <a:blip r:embed="rId2">
+          <a:blip r:embed="rId3">
             <a:extLst>
               <a:ext uri="{28A0092B-C50C-407E-A947-70E740481C1C}">
                 <a14:useLocalDpi xmlns:a14="http://schemas.microsoft.com/office/drawing/2010/main" val="0"/>
@@ -2655,7 +2998,7 @@
                 <a:latin typeface="华文行楷" pitchFamily="2" charset="-122"/>
                 <a:ea typeface="华文行楷" pitchFamily="2" charset="-122"/>
               </a:rPr>
-              <a:t>移动网站架构</a:t>
+              <a:t>技术解决方案总结</a:t>
             </a:r>
             <a:endParaRPr lang="en-US" altLang="zh-CN" sz="5400" dirty="0">
               <a:latin typeface="华文行楷" pitchFamily="2" charset="-122"/>
@@ -2746,27 +3089,7 @@
                 <a:latin typeface="华文行楷" pitchFamily="2" charset="-122"/>
                 <a:ea typeface="华文行楷" pitchFamily="2" charset="-122"/>
               </a:rPr>
-              <a:t>2015</a:t>
-            </a:r>
-            <a:r>
-              <a:rPr lang="en-US" altLang="zh-CN" sz="2400" b="1" dirty="0">
-                <a:solidFill>
-                  <a:srgbClr val="C00000"/>
-                </a:solidFill>
-                <a:latin typeface="华文行楷" pitchFamily="2" charset="-122"/>
-                <a:ea typeface="华文行楷" pitchFamily="2" charset="-122"/>
-              </a:rPr>
-              <a:t>.</a:t>
-            </a:r>
-            <a:r>
-              <a:rPr lang="en-US" altLang="zh-CN" sz="2400" b="1" dirty="0" smtClean="0">
-                <a:solidFill>
-                  <a:srgbClr val="C00000"/>
-                </a:solidFill>
-                <a:latin typeface="华文行楷" pitchFamily="2" charset="-122"/>
-                <a:ea typeface="华文行楷" pitchFamily="2" charset="-122"/>
-              </a:rPr>
-              <a:t>9</a:t>
+              <a:t>2016.08</a:t>
             </a:r>
             <a:endParaRPr lang="zh-CN" altLang="en-US" sz="2400" b="1" dirty="0">
               <a:solidFill>
@@ -3554,128 +3877,6 @@
       </p:sp>
       <p:sp>
         <p:nvSpPr>
-          <p:cNvPr id="5" name="矩形 4"/>
-          <p:cNvSpPr/>
-          <p:nvPr/>
-        </p:nvSpPr>
-        <p:spPr>
-          <a:xfrm>
-            <a:off x="179512" y="2636912"/>
-            <a:ext cx="8712968" cy="1754326"/>
-          </a:xfrm>
-          <a:prstGeom prst="rect">
-            <a:avLst/>
-          </a:prstGeom>
-        </p:spPr>
-        <p:txBody>
-          <a:bodyPr wrap="square">
-            <a:spAutoFit/>
-          </a:bodyPr>
-          <a:lstStyle/>
-          <a:p>
-            <a:r>
-              <a:rPr lang="zh-CN" altLang="en-US" b="1" dirty="0" smtClean="0">
-                <a:latin typeface="华文楷体" pitchFamily="2" charset="-122"/>
-                <a:ea typeface="华文楷体" pitchFamily="2" charset="-122"/>
-              </a:rPr>
-              <a:t>复杂业务接口解决方案</a:t>
-            </a:r>
-            <a:r>
-              <a:rPr lang="en-US" altLang="zh-CN" b="1" dirty="0" smtClean="0">
-                <a:latin typeface="华文楷体" pitchFamily="2" charset="-122"/>
-                <a:ea typeface="华文楷体" pitchFamily="2" charset="-122"/>
-              </a:rPr>
-              <a:t>:</a:t>
-            </a:r>
-          </a:p>
-          <a:p>
-            <a:r>
-              <a:rPr lang="en-US" altLang="zh-CN" b="1" dirty="0">
-                <a:latin typeface="华文楷体" pitchFamily="2" charset="-122"/>
-                <a:ea typeface="华文楷体" pitchFamily="2" charset="-122"/>
-              </a:rPr>
-              <a:t>1</a:t>
-            </a:r>
-            <a:r>
-              <a:rPr lang="zh-CN" altLang="en-US" b="1" dirty="0">
-                <a:latin typeface="华文楷体" pitchFamily="2" charset="-122"/>
-                <a:ea typeface="华文楷体" pitchFamily="2" charset="-122"/>
-              </a:rPr>
-              <a:t>、最大异步执行</a:t>
-            </a:r>
-          </a:p>
-          <a:p>
-            <a:r>
-              <a:rPr lang="en-US" altLang="zh-CN" b="1" dirty="0">
-                <a:latin typeface="华文楷体" pitchFamily="2" charset="-122"/>
-                <a:ea typeface="华文楷体" pitchFamily="2" charset="-122"/>
-              </a:rPr>
-              <a:t>2</a:t>
-            </a:r>
-            <a:r>
-              <a:rPr lang="zh-CN" altLang="en-US" b="1" dirty="0">
-                <a:latin typeface="华文楷体" pitchFamily="2" charset="-122"/>
-                <a:ea typeface="华文楷体" pitchFamily="2" charset="-122"/>
-              </a:rPr>
-              <a:t>、处理局部失败</a:t>
-            </a:r>
-          </a:p>
-          <a:p>
-            <a:r>
-              <a:rPr lang="en-US" altLang="zh-CN" b="1" dirty="0">
-                <a:latin typeface="华文楷体" pitchFamily="2" charset="-122"/>
-                <a:ea typeface="华文楷体" pitchFamily="2" charset="-122"/>
-              </a:rPr>
-              <a:t>3</a:t>
-            </a:r>
-            <a:r>
-              <a:rPr lang="zh-CN" altLang="en-US" b="1" dirty="0">
-                <a:latin typeface="华文楷体" pitchFamily="2" charset="-122"/>
-                <a:ea typeface="华文楷体" pitchFamily="2" charset="-122"/>
-              </a:rPr>
-              <a:t>、数据依赖处理</a:t>
-            </a:r>
-          </a:p>
-          <a:p>
-            <a:r>
-              <a:rPr lang="en-US" altLang="zh-CN" b="1" dirty="0">
-                <a:latin typeface="华文楷体" pitchFamily="2" charset="-122"/>
-                <a:ea typeface="华文楷体" pitchFamily="2" charset="-122"/>
-              </a:rPr>
-              <a:t>4</a:t>
-            </a:r>
-            <a:r>
-              <a:rPr lang="zh-CN" altLang="en-US" b="1" dirty="0">
-                <a:latin typeface="华文楷体" pitchFamily="2" charset="-122"/>
-                <a:ea typeface="华文楷体" pitchFamily="2" charset="-122"/>
-              </a:rPr>
-              <a:t>、响应式编程模型</a:t>
-            </a:r>
-          </a:p>
-          <a:p>
-            <a:r>
-              <a:rPr lang="en-US" altLang="zh-CN" b="1" dirty="0">
-                <a:latin typeface="华文楷体" pitchFamily="2" charset="-122"/>
-                <a:ea typeface="华文楷体" pitchFamily="2" charset="-122"/>
-              </a:rPr>
-              <a:t>5</a:t>
-            </a:r>
-            <a:r>
-              <a:rPr lang="zh-CN" altLang="en-US" b="1" dirty="0">
-                <a:latin typeface="华文楷体" pitchFamily="2" charset="-122"/>
-                <a:ea typeface="华文楷体" pitchFamily="2" charset="-122"/>
-              </a:rPr>
-              <a:t>、复杂业务流程编排</a:t>
-            </a:r>
-            <a:endParaRPr lang="zh-CN" altLang="zh-CN" dirty="0">
-              <a:latin typeface="华文楷体" pitchFamily="2" charset="-122"/>
-              <a:ea typeface="华文楷体" pitchFamily="2" charset="-122"/>
-            </a:endParaRPr>
-          </a:p>
-        </p:txBody>
-      </p:sp>
-      <p:sp>
-        <p:nvSpPr>
           <p:cNvPr id="8" name="流程图: 决策 7"/>
           <p:cNvSpPr/>
           <p:nvPr/>
@@ -3720,7 +3921,7 @@
                 <a:latin typeface="华文行楷" pitchFamily="2" charset="-122"/>
                 <a:ea typeface="华文行楷" pitchFamily="2" charset="-122"/>
               </a:rPr>
-              <a:t>复杂业务接口</a:t>
+              <a:t>高并发优化手段</a:t>
             </a:r>
             <a:endParaRPr lang="zh-CN" altLang="zh-CN" sz="2400" b="1" dirty="0">
               <a:latin typeface="华文行楷" pitchFamily="2" charset="-122"/>
@@ -3729,10 +3930,141 @@
           </a:p>
         </p:txBody>
       </p:sp>
+      <p:sp>
+        <p:nvSpPr>
+          <p:cNvPr id="3" name="矩形 2"/>
+          <p:cNvSpPr/>
+          <p:nvPr/>
+        </p:nvSpPr>
+        <p:spPr>
+          <a:xfrm>
+            <a:off x="870781" y="2708920"/>
+            <a:ext cx="4572000" cy="1754326"/>
+          </a:xfrm>
+          <a:prstGeom prst="rect">
+            <a:avLst/>
+          </a:prstGeom>
+        </p:spPr>
+        <p:txBody>
+          <a:bodyPr>
+            <a:spAutoFit/>
+          </a:bodyPr>
+          <a:lstStyle/>
+          <a:p>
+            <a:r>
+              <a:rPr lang="zh-CN" altLang="en-US" b="1" dirty="0" smtClean="0">
+                <a:latin typeface="华文楷体" pitchFamily="2" charset="-122"/>
+                <a:ea typeface="华文楷体" pitchFamily="2" charset="-122"/>
+              </a:rPr>
+              <a:t>高并发优化解决</a:t>
+            </a:r>
+            <a:r>
+              <a:rPr lang="zh-CN" altLang="en-US" b="1" dirty="0">
+                <a:latin typeface="华文楷体" pitchFamily="2" charset="-122"/>
+                <a:ea typeface="华文楷体" pitchFamily="2" charset="-122"/>
+              </a:rPr>
+              <a:t>方案</a:t>
+            </a:r>
+            <a:r>
+              <a:rPr lang="en-US" altLang="zh-CN" b="1" dirty="0">
+                <a:latin typeface="华文楷体" pitchFamily="2" charset="-122"/>
+                <a:ea typeface="华文楷体" pitchFamily="2" charset="-122"/>
+              </a:rPr>
+              <a:t>:</a:t>
+            </a:r>
+          </a:p>
+          <a:p>
+            <a:r>
+              <a:rPr lang="en-US" altLang="zh-CN" b="1" dirty="0">
+                <a:latin typeface="华文楷体" pitchFamily="2" charset="-122"/>
+                <a:ea typeface="华文楷体" pitchFamily="2" charset="-122"/>
+              </a:rPr>
+              <a:t>1</a:t>
+            </a:r>
+            <a:r>
+              <a:rPr lang="zh-CN" altLang="en-US" b="1" dirty="0" smtClean="0">
+                <a:latin typeface="华文楷体" pitchFamily="2" charset="-122"/>
+                <a:ea typeface="华文楷体" pitchFamily="2" charset="-122"/>
+              </a:rPr>
+              <a:t>、缓存</a:t>
+            </a:r>
+            <a:endParaRPr lang="en-US" altLang="zh-CN" b="1" dirty="0" smtClean="0">
+              <a:latin typeface="华文楷体" pitchFamily="2" charset="-122"/>
+              <a:ea typeface="华文楷体" pitchFamily="2" charset="-122"/>
+            </a:endParaRPr>
+          </a:p>
+          <a:p>
+            <a:r>
+              <a:rPr lang="en-US" altLang="zh-CN" b="1" dirty="0" smtClean="0">
+                <a:latin typeface="华文楷体" pitchFamily="2" charset="-122"/>
+                <a:ea typeface="华文楷体" pitchFamily="2" charset="-122"/>
+              </a:rPr>
+              <a:t>2</a:t>
+            </a:r>
+            <a:r>
+              <a:rPr lang="zh-CN" altLang="en-US" b="1" dirty="0" smtClean="0">
+                <a:latin typeface="华文楷体" pitchFamily="2" charset="-122"/>
+                <a:ea typeface="华文楷体" pitchFamily="2" charset="-122"/>
+              </a:rPr>
+              <a:t>、服务降级</a:t>
+            </a:r>
+            <a:endParaRPr lang="zh-CN" altLang="en-US" b="1" dirty="0">
+              <a:latin typeface="华文楷体" pitchFamily="2" charset="-122"/>
+              <a:ea typeface="华文楷体" pitchFamily="2" charset="-122"/>
+            </a:endParaRPr>
+          </a:p>
+          <a:p>
+            <a:r>
+              <a:rPr lang="en-US" altLang="zh-CN" b="1" dirty="0">
+                <a:latin typeface="华文楷体" pitchFamily="2" charset="-122"/>
+                <a:ea typeface="华文楷体" pitchFamily="2" charset="-122"/>
+              </a:rPr>
+              <a:t>3</a:t>
+            </a:r>
+            <a:r>
+              <a:rPr lang="zh-CN" altLang="en-US" b="1" dirty="0" smtClean="0">
+                <a:latin typeface="华文楷体" pitchFamily="2" charset="-122"/>
+                <a:ea typeface="华文楷体" pitchFamily="2" charset="-122"/>
+              </a:rPr>
+              <a:t>、接口限流</a:t>
+            </a:r>
+            <a:endParaRPr lang="zh-CN" altLang="en-US" b="1" dirty="0">
+              <a:latin typeface="华文楷体" pitchFamily="2" charset="-122"/>
+              <a:ea typeface="华文楷体" pitchFamily="2" charset="-122"/>
+            </a:endParaRPr>
+          </a:p>
+          <a:p>
+            <a:r>
+              <a:rPr lang="en-US" altLang="zh-CN" b="1" dirty="0">
+                <a:latin typeface="华文楷体" pitchFamily="2" charset="-122"/>
+                <a:ea typeface="华文楷体" pitchFamily="2" charset="-122"/>
+              </a:rPr>
+              <a:t>4</a:t>
+            </a:r>
+            <a:r>
+              <a:rPr lang="zh-CN" altLang="en-US" b="1" dirty="0" smtClean="0">
+                <a:latin typeface="华文楷体" pitchFamily="2" charset="-122"/>
+                <a:ea typeface="华文楷体" pitchFamily="2" charset="-122"/>
+              </a:rPr>
+              <a:t>、流量切换</a:t>
+            </a:r>
+            <a:endParaRPr lang="en-US" altLang="zh-CN" b="1" dirty="0" smtClean="0">
+              <a:latin typeface="华文楷体" pitchFamily="2" charset="-122"/>
+              <a:ea typeface="华文楷体" pitchFamily="2" charset="-122"/>
+            </a:endParaRPr>
+          </a:p>
+          <a:p>
+            <a:endParaRPr lang="zh-CN" altLang="zh-CN" dirty="0">
+              <a:latin typeface="华文楷体" pitchFamily="2" charset="-122"/>
+              <a:ea typeface="华文楷体" pitchFamily="2" charset="-122"/>
+            </a:endParaRPr>
+          </a:p>
+        </p:txBody>
+      </p:sp>
     </p:spTree>
     <p:extLst>
       <p:ext uri="{BB962C8B-B14F-4D97-AF65-F5344CB8AC3E}">
-        <p14:creationId xmlns:p14="http://schemas.microsoft.com/office/powerpoint/2010/main" val="1097644875"/>
+        <p14:creationId xmlns:p14="http://schemas.microsoft.com/office/powerpoint/2010/main" val="2477840035"/>
       </p:ext>
     </p:extLst>
   </p:cSld>
@@ -3905,6 +4237,128 @@
       </p:sp>
       <p:sp>
         <p:nvSpPr>
+          <p:cNvPr id="5" name="矩形 4"/>
+          <p:cNvSpPr/>
+          <p:nvPr/>
+        </p:nvSpPr>
+        <p:spPr>
+          <a:xfrm>
+            <a:off x="179512" y="2636912"/>
+            <a:ext cx="8712968" cy="1754326"/>
+          </a:xfrm>
+          <a:prstGeom prst="rect">
+            <a:avLst/>
+          </a:prstGeom>
+        </p:spPr>
+        <p:txBody>
+          <a:bodyPr wrap="square">
+            <a:spAutoFit/>
+          </a:bodyPr>
+          <a:lstStyle/>
+          <a:p>
+            <a:r>
+              <a:rPr lang="zh-CN" altLang="en-US" b="1" dirty="0" smtClean="0">
+                <a:latin typeface="华文楷体" pitchFamily="2" charset="-122"/>
+                <a:ea typeface="华文楷体" pitchFamily="2" charset="-122"/>
+              </a:rPr>
+              <a:t>复杂业务接口解决方案</a:t>
+            </a:r>
+            <a:r>
+              <a:rPr lang="en-US" altLang="zh-CN" b="1" dirty="0" smtClean="0">
+                <a:latin typeface="华文楷体" pitchFamily="2" charset="-122"/>
+                <a:ea typeface="华文楷体" pitchFamily="2" charset="-122"/>
+              </a:rPr>
+              <a:t>:</a:t>
+            </a:r>
+          </a:p>
+          <a:p>
+            <a:r>
+              <a:rPr lang="en-US" altLang="zh-CN" b="1" dirty="0">
+                <a:latin typeface="华文楷体" pitchFamily="2" charset="-122"/>
+                <a:ea typeface="华文楷体" pitchFamily="2" charset="-122"/>
+              </a:rPr>
+              <a:t>1</a:t>
+            </a:r>
+            <a:r>
+              <a:rPr lang="zh-CN" altLang="en-US" b="1" dirty="0">
+                <a:latin typeface="华文楷体" pitchFamily="2" charset="-122"/>
+                <a:ea typeface="华文楷体" pitchFamily="2" charset="-122"/>
+              </a:rPr>
+              <a:t>、最大异步执行</a:t>
+            </a:r>
+          </a:p>
+          <a:p>
+            <a:r>
+              <a:rPr lang="en-US" altLang="zh-CN" b="1" dirty="0">
+                <a:latin typeface="华文楷体" pitchFamily="2" charset="-122"/>
+                <a:ea typeface="华文楷体" pitchFamily="2" charset="-122"/>
+              </a:rPr>
+              <a:t>2</a:t>
+            </a:r>
+            <a:r>
+              <a:rPr lang="zh-CN" altLang="en-US" b="1" dirty="0">
+                <a:latin typeface="华文楷体" pitchFamily="2" charset="-122"/>
+                <a:ea typeface="华文楷体" pitchFamily="2" charset="-122"/>
+              </a:rPr>
+              <a:t>、处理局部失败</a:t>
+            </a:r>
+          </a:p>
+          <a:p>
+            <a:r>
+              <a:rPr lang="en-US" altLang="zh-CN" b="1" dirty="0">
+                <a:latin typeface="华文楷体" pitchFamily="2" charset="-122"/>
+                <a:ea typeface="华文楷体" pitchFamily="2" charset="-122"/>
+              </a:rPr>
+              <a:t>3</a:t>
+            </a:r>
+            <a:r>
+              <a:rPr lang="zh-CN" altLang="en-US" b="1" dirty="0">
+                <a:latin typeface="华文楷体" pitchFamily="2" charset="-122"/>
+                <a:ea typeface="华文楷体" pitchFamily="2" charset="-122"/>
+              </a:rPr>
+              <a:t>、数据依赖处理</a:t>
+            </a:r>
+          </a:p>
+          <a:p>
+            <a:r>
+              <a:rPr lang="en-US" altLang="zh-CN" b="1" dirty="0">
+                <a:latin typeface="华文楷体" pitchFamily="2" charset="-122"/>
+                <a:ea typeface="华文楷体" pitchFamily="2" charset="-122"/>
+              </a:rPr>
+              <a:t>4</a:t>
+            </a:r>
+            <a:r>
+              <a:rPr lang="zh-CN" altLang="en-US" b="1" dirty="0">
+                <a:latin typeface="华文楷体" pitchFamily="2" charset="-122"/>
+                <a:ea typeface="华文楷体" pitchFamily="2" charset="-122"/>
+              </a:rPr>
+              <a:t>、响应式编程模型</a:t>
+            </a:r>
+          </a:p>
+          <a:p>
+            <a:r>
+              <a:rPr lang="en-US" altLang="zh-CN" b="1" dirty="0">
+                <a:latin typeface="华文楷体" pitchFamily="2" charset="-122"/>
+                <a:ea typeface="华文楷体" pitchFamily="2" charset="-122"/>
+              </a:rPr>
+              <a:t>5</a:t>
+            </a:r>
+            <a:r>
+              <a:rPr lang="zh-CN" altLang="en-US" b="1" dirty="0">
+                <a:latin typeface="华文楷体" pitchFamily="2" charset="-122"/>
+                <a:ea typeface="华文楷体" pitchFamily="2" charset="-122"/>
+              </a:rPr>
+              <a:t>、复杂业务流程编排</a:t>
+            </a:r>
+            <a:endParaRPr lang="zh-CN" altLang="zh-CN" dirty="0">
+              <a:latin typeface="华文楷体" pitchFamily="2" charset="-122"/>
+              <a:ea typeface="华文楷体" pitchFamily="2" charset="-122"/>
+            </a:endParaRPr>
+          </a:p>
+        </p:txBody>
+      </p:sp>
+      <p:sp>
+        <p:nvSpPr>
           <p:cNvPr id="8" name="流程图: 决策 7"/>
           <p:cNvSpPr/>
           <p:nvPr/>
@@ -3949,14 +4403,7 @@
                 <a:latin typeface="华文行楷" pitchFamily="2" charset="-122"/>
                 <a:ea typeface="华文行楷" pitchFamily="2" charset="-122"/>
               </a:rPr>
-              <a:t>复杂业务</a:t>
-            </a:r>
-            <a:r>
-              <a:rPr lang="zh-CN" altLang="en-US" sz="2400" b="1" dirty="0">
-                <a:latin typeface="华文行楷" pitchFamily="2" charset="-122"/>
-                <a:ea typeface="华文行楷" pitchFamily="2" charset="-122"/>
-              </a:rPr>
-              <a:t>编排</a:t>
+              <a:t>复杂业务接口</a:t>
             </a:r>
             <a:endParaRPr lang="zh-CN" altLang="zh-CN" sz="2400" b="1" dirty="0">
               <a:latin typeface="华文行楷" pitchFamily="2" charset="-122"/>
@@ -3965,50 +4412,10 @@
           </a:p>
         </p:txBody>
       </p:sp>
-      <p:sp>
-        <p:nvSpPr>
-          <p:cNvPr id="2" name="矩形 1"/>
-          <p:cNvSpPr/>
-          <p:nvPr/>
-        </p:nvSpPr>
-        <p:spPr>
-          <a:xfrm>
-            <a:off x="611560" y="2564904"/>
-            <a:ext cx="585599" cy="432048"/>
-          </a:xfrm>
-          <a:prstGeom prst="rect">
-            <a:avLst/>
-          </a:prstGeom>
-        </p:spPr>
-        <p:style>
-          <a:lnRef idx="2">
-            <a:schemeClr val="accent1">
-              <a:shade val="50000"/>
-            </a:schemeClr>
-          </a:lnRef>
-          <a:fillRef idx="1">
-            <a:schemeClr val="accent1"/>
-          </a:fillRef>
-          <a:effectRef idx="0">
-            <a:schemeClr val="accent1"/>
-          </a:effectRef>
-          <a:fontRef idx="minor">
-            <a:schemeClr val="lt1"/>
-          </a:fontRef>
-        </p:style>
-        <p:txBody>
-          <a:bodyPr rtlCol="0" anchor="ctr"/>
-          <a:lstStyle/>
-          <a:p>
-            <a:pPr algn="ctr"/>
-            <a:endParaRPr lang="zh-CN" altLang="en-US"/>
-          </a:p>
-        </p:txBody>
-      </p:sp>
     </p:spTree>
     <p:extLst>
       <p:ext uri="{BB962C8B-B14F-4D97-AF65-F5344CB8AC3E}">
-        <p14:creationId xmlns:p14="http://schemas.microsoft.com/office/powerpoint/2010/main" val="3566286496"/>
+        <p14:creationId xmlns:p14="http://schemas.microsoft.com/office/powerpoint/2010/main" val="1097644875"/>
       </p:ext>
     </p:extLst>
   </p:cSld>
@@ -4225,7 +4632,7 @@
                 <a:latin typeface="华文行楷" pitchFamily="2" charset="-122"/>
                 <a:ea typeface="华文行楷" pitchFamily="2" charset="-122"/>
               </a:rPr>
-              <a:t>高并发优化手段</a:t>
+              <a:t>最大异步化</a:t>
             </a:r>
             <a:endParaRPr lang="zh-CN" altLang="zh-CN" sz="2400" b="1" dirty="0">
               <a:latin typeface="华文行楷" pitchFamily="2" charset="-122"/>
@@ -4236,61 +4643,52 @@
       </p:sp>
       <p:sp>
         <p:nvSpPr>
-          <p:cNvPr id="3" name="矩形 2"/>
+          <p:cNvPr id="2" name="矩形 1"/>
           <p:cNvSpPr/>
           <p:nvPr/>
         </p:nvSpPr>
         <p:spPr>
           <a:xfrm>
-            <a:off x="870781" y="2708920"/>
-            <a:ext cx="4572000" cy="1754326"/>
-          </a:xfrm>
-          <a:prstGeom prst="rect">
-            <a:avLst/>
-          </a:prstGeom>
-        </p:spPr>
-        <p:txBody>
-          <a:bodyPr>
+            <a:off x="785461" y="2690336"/>
+            <a:ext cx="7530955" cy="923330"/>
+          </a:xfrm>
+          <a:prstGeom prst="rect">
+            <a:avLst/>
+          </a:prstGeom>
+        </p:spPr>
+        <p:txBody>
+          <a:bodyPr wrap="square">
             <a:spAutoFit/>
           </a:bodyPr>
           <a:lstStyle/>
           <a:p>
             <a:r>
+              <a:rPr lang="en-US" altLang="zh-CN" b="1" dirty="0">
+                <a:latin typeface="华文楷体" pitchFamily="2" charset="-122"/>
+                <a:ea typeface="华文楷体" pitchFamily="2" charset="-122"/>
+              </a:rPr>
+              <a:t>1</a:t>
+            </a:r>
+            <a:r>
               <a:rPr lang="zh-CN" altLang="en-US" b="1" dirty="0" smtClean="0">
                 <a:latin typeface="华文楷体" pitchFamily="2" charset="-122"/>
                 <a:ea typeface="华文楷体" pitchFamily="2" charset="-122"/>
               </a:rPr>
-              <a:t>高并发优化解决</a:t>
-            </a:r>
-            <a:r>
-              <a:rPr lang="zh-CN" altLang="en-US" b="1" dirty="0">
-                <a:latin typeface="华文楷体" pitchFamily="2" charset="-122"/>
-                <a:ea typeface="华文楷体" pitchFamily="2" charset="-122"/>
-              </a:rPr>
-              <a:t>方案</a:t>
-            </a:r>
-            <a:r>
-              <a:rPr lang="en-US" altLang="zh-CN" b="1" dirty="0">
-                <a:latin typeface="华文楷体" pitchFamily="2" charset="-122"/>
-                <a:ea typeface="华文楷体" pitchFamily="2" charset="-122"/>
-              </a:rPr>
-              <a:t>:</a:t>
-            </a:r>
-          </a:p>
-          <a:p>
-            <a:r>
-              <a:rPr lang="en-US" altLang="zh-CN" b="1" dirty="0">
-                <a:latin typeface="华文楷体" pitchFamily="2" charset="-122"/>
-                <a:ea typeface="华文楷体" pitchFamily="2" charset="-122"/>
-              </a:rPr>
-              <a:t>1</a:t>
+              <a:t>、</a:t>
+            </a:r>
+            <a:r>
+              <a:rPr lang="en-US" altLang="zh-CN" b="1" dirty="0" smtClean="0">
+                <a:latin typeface="华文楷体" pitchFamily="2" charset="-122"/>
+                <a:ea typeface="华文楷体" pitchFamily="2" charset="-122"/>
+              </a:rPr>
+              <a:t>Servlet3.1+jdk 8</a:t>
             </a:r>
             <a:r>
               <a:rPr lang="zh-CN" altLang="en-US" b="1" dirty="0" smtClean="0">
                 <a:latin typeface="华文楷体" pitchFamily="2" charset="-122"/>
                 <a:ea typeface="华文楷体" pitchFamily="2" charset="-122"/>
               </a:rPr>
-              <a:t>、缓存</a:t>
+              <a:t>异步链条式</a:t>
             </a:r>
             <a:endParaRPr lang="en-US" altLang="zh-CN" b="1" dirty="0" smtClean="0">
               <a:latin typeface="华文楷体" pitchFamily="2" charset="-122"/>
@@ -4310,7 +4708,14 @@
                 <a:latin typeface="华文楷体" pitchFamily="2" charset="-122"/>
                 <a:ea typeface="华文楷体" pitchFamily="2" charset="-122"/>
               </a:rPr>
-              <a:t>、服务降级</a:t>
+              <a:t>、</a:t>
+            </a:r>
+            <a:r>
+              <a:rPr lang="en-US" altLang="zh-CN" b="1" dirty="0" smtClean="0">
+                <a:latin typeface="华文楷体" pitchFamily="2" charset="-122"/>
+                <a:ea typeface="华文楷体" pitchFamily="2" charset="-122"/>
+              </a:rPr>
+              <a:t>JDK Future</a:t>
             </a:r>
             <a:endParaRPr lang="zh-CN" altLang="en-US" b="1" dirty="0">
               <a:latin typeface="华文楷体" pitchFamily="2" charset="-122"/>
@@ -4330,45 +4735,26 @@
                 <a:latin typeface="华文楷体" pitchFamily="2" charset="-122"/>
                 <a:ea typeface="华文楷体" pitchFamily="2" charset="-122"/>
               </a:rPr>
-              <a:t>、接口限流</a:t>
+              <a:t>、</a:t>
+            </a:r>
+            <a:r>
+              <a:rPr lang="en-US" altLang="zh-CN" b="1" dirty="0" smtClean="0">
+                <a:latin typeface="华文楷体" pitchFamily="2" charset="-122"/>
+                <a:ea typeface="华文楷体" pitchFamily="2" charset="-122"/>
+              </a:rPr>
+              <a:t>Guava  Future</a:t>
             </a:r>
             <a:endParaRPr lang="zh-CN" altLang="en-US" b="1" dirty="0">
               <a:latin typeface="华文楷体" pitchFamily="2" charset="-122"/>
               <a:ea typeface="华文楷体" pitchFamily="2" charset="-122"/>
             </a:endParaRPr>
           </a:p>
-          <a:p>
-            <a:r>
-              <a:rPr lang="en-US" altLang="zh-CN" b="1" dirty="0">
-                <a:latin typeface="华文楷体" pitchFamily="2" charset="-122"/>
-                <a:ea typeface="华文楷体" pitchFamily="2" charset="-122"/>
-              </a:rPr>
-              <a:t>4</a:t>
-            </a:r>
-            <a:r>
-              <a:rPr lang="zh-CN" altLang="en-US" b="1" dirty="0" smtClean="0">
-                <a:latin typeface="华文楷体" pitchFamily="2" charset="-122"/>
-                <a:ea typeface="华文楷体" pitchFamily="2" charset="-122"/>
-              </a:rPr>
-              <a:t>、流量切换</a:t>
-            </a:r>
-            <a:endParaRPr lang="en-US" altLang="zh-CN" b="1" dirty="0" smtClean="0">
-              <a:latin typeface="华文楷体" pitchFamily="2" charset="-122"/>
-              <a:ea typeface="华文楷体" pitchFamily="2" charset="-122"/>
-            </a:endParaRPr>
-          </a:p>
-          <a:p>
-            <a:endParaRPr lang="zh-CN" altLang="zh-CN" dirty="0">
-              <a:latin typeface="华文楷体" pitchFamily="2" charset="-122"/>
-              <a:ea typeface="华文楷体" pitchFamily="2" charset="-122"/>
-            </a:endParaRPr>
-          </a:p>
         </p:txBody>
       </p:sp>
     </p:spTree>
     <p:extLst>
       <p:ext uri="{BB962C8B-B14F-4D97-AF65-F5344CB8AC3E}">
-        <p14:creationId xmlns:p14="http://schemas.microsoft.com/office/powerpoint/2010/main" val="2477840035"/>
+        <p14:creationId xmlns:p14="http://schemas.microsoft.com/office/powerpoint/2010/main" val="2892742048"/>
       </p:ext>
     </p:extLst>
   </p:cSld>
@@ -4581,18 +4967,18 @@
           <a:lstStyle/>
           <a:p>
             <a:r>
-              <a:rPr lang="en-US" altLang="zh-CN" sz="2400" b="1" dirty="0" smtClean="0">
-                <a:latin typeface="华文行楷" pitchFamily="2" charset="-122"/>
-                <a:ea typeface="华文行楷" pitchFamily="2" charset="-122"/>
-              </a:rPr>
-              <a:t>MQ</a:t>
-            </a:r>
-            <a:r>
               <a:rPr lang="zh-CN" altLang="en-US" sz="2400" b="1" dirty="0" smtClean="0">
                 <a:latin typeface="华文行楷" pitchFamily="2" charset="-122"/>
                 <a:ea typeface="华文行楷" pitchFamily="2" charset="-122"/>
               </a:rPr>
-              <a:t>消息积压</a:t>
+              <a:t>复杂业务</a:t>
+            </a:r>
+            <a:r>
+              <a:rPr lang="zh-CN" altLang="en-US" sz="2400" b="1" dirty="0">
+                <a:latin typeface="华文行楷" pitchFamily="2" charset="-122"/>
+                <a:ea typeface="华文行楷" pitchFamily="2" charset="-122"/>
+              </a:rPr>
+              <a:t>编排</a:t>
             </a:r>
             <a:endParaRPr lang="zh-CN" altLang="zh-CN" sz="2400" b="1" dirty="0">
               <a:latin typeface="华文行楷" pitchFamily="2" charset="-122"/>
@@ -4603,6 +4989,282 @@
       </p:sp>
       <p:sp>
         <p:nvSpPr>
+          <p:cNvPr id="2" name="矩形 1"/>
+          <p:cNvSpPr/>
+          <p:nvPr/>
+        </p:nvSpPr>
+        <p:spPr>
+          <a:xfrm>
+            <a:off x="611560" y="2564904"/>
+            <a:ext cx="585599" cy="432048"/>
+          </a:xfrm>
+          <a:prstGeom prst="rect">
+            <a:avLst/>
+          </a:prstGeom>
+        </p:spPr>
+        <p:style>
+          <a:lnRef idx="2">
+            <a:schemeClr val="accent1">
+              <a:shade val="50000"/>
+            </a:schemeClr>
+          </a:lnRef>
+          <a:fillRef idx="1">
+            <a:schemeClr val="accent1"/>
+          </a:fillRef>
+          <a:effectRef idx="0">
+            <a:schemeClr val="accent1"/>
+          </a:effectRef>
+          <a:fontRef idx="minor">
+            <a:schemeClr val="lt1"/>
+          </a:fontRef>
+        </p:style>
+        <p:txBody>
+          <a:bodyPr rtlCol="0" anchor="ctr"/>
+          <a:lstStyle/>
+          <a:p>
+            <a:pPr algn="ctr"/>
+            <a:endParaRPr lang="zh-CN" altLang="en-US"/>
+          </a:p>
+        </p:txBody>
+      </p:sp>
+    </p:spTree>
+    <p:extLst>
+      <p:ext uri="{BB962C8B-B14F-4D97-AF65-F5344CB8AC3E}">
+        <p14:creationId xmlns:p14="http://schemas.microsoft.com/office/powerpoint/2010/main" val="3566286496"/>
+      </p:ext>
+    </p:extLst>
+  </p:cSld>
+  <p:clrMapOvr>
+    <a:masterClrMapping/>
+  </p:clrMapOvr>
+  <p:timing>
+    <p:tnLst>
+      <p:par>
+        <p:cTn id="1" dur="indefinite" restart="never" nodeType="tmRoot"/>
+      </p:par>
+    </p:tnLst>
+  </p:timing>
+</p:sld>
+</file>
+
+<file path=ppt/slides/slide7.xml><?xml version="1.0" encoding="utf-8"?>
+<p:sld xmlns:a="http://schemas.openxmlformats.org/drawingml/2006/main" xmlns:r="http://schemas.openxmlformats.org/officeDocument/2006/relationships" xmlns:p="http://schemas.openxmlformats.org/presentationml/2006/main">
+  <p:cSld>
+    <p:spTree>
+      <p:nvGrpSpPr>
+        <p:cNvPr id="1" name=""/>
+        <p:cNvGrpSpPr/>
+        <p:nvPr/>
+      </p:nvGrpSpPr>
+      <p:grpSpPr>
+        <a:xfrm>
+          <a:off x="0" y="0"/>
+          <a:ext cx="0" cy="0"/>
+          <a:chOff x="0" y="0"/>
+          <a:chExt cx="0" cy="0"/>
+        </a:xfrm>
+      </p:grpSpPr>
+      <p:pic>
+        <p:nvPicPr>
+          <p:cNvPr id="4" name="图片 3"/>
+          <p:cNvPicPr>
+            <a:picLocks noChangeAspect="1"/>
+          </p:cNvPicPr>
+          <p:nvPr/>
+        </p:nvPicPr>
+        <p:blipFill>
+          <a:blip r:embed="rId3" cstate="print">
+            <a:extLst>
+              <a:ext uri="{28A0092B-C50C-407E-A947-70E740481C1C}">
+                <a14:useLocalDpi xmlns:a14="http://schemas.microsoft.com/office/drawing/2010/main" val="0"/>
+              </a:ext>
+            </a:extLst>
+          </a:blip>
+          <a:stretch>
+            <a:fillRect/>
+          </a:stretch>
+        </p:blipFill>
+        <p:spPr>
+          <a:xfrm>
+            <a:off x="0" y="-19932"/>
+            <a:ext cx="1570922" cy="717164"/>
+          </a:xfrm>
+          <a:prstGeom prst="rect">
+            <a:avLst/>
+          </a:prstGeom>
+        </p:spPr>
+      </p:pic>
+      <p:sp>
+        <p:nvSpPr>
+          <p:cNvPr id="7" name="矩形 6"/>
+          <p:cNvSpPr/>
+          <p:nvPr/>
+        </p:nvSpPr>
+        <p:spPr>
+          <a:xfrm>
+            <a:off x="2051720" y="1047949"/>
+            <a:ext cx="1105061" cy="733534"/>
+          </a:xfrm>
+          <a:prstGeom prst="rect">
+            <a:avLst/>
+          </a:prstGeom>
+        </p:spPr>
+        <p:txBody>
+          <a:bodyPr wrap="square">
+            <a:spAutoFit/>
+          </a:bodyPr>
+          <a:lstStyle/>
+          <a:p>
+            <a:pPr>
+              <a:lnSpc>
+                <a:spcPts val="5000"/>
+              </a:lnSpc>
+            </a:pPr>
+            <a:r>
+              <a:rPr lang="en-US" altLang="zh-CN" sz="3600" b="1" dirty="0">
+                <a:solidFill>
+                  <a:schemeClr val="bg1"/>
+                </a:solidFill>
+                <a:latin typeface="华文行楷" pitchFamily="2" charset="-122"/>
+                <a:ea typeface="华文行楷" pitchFamily="2" charset="-122"/>
+              </a:rPr>
+              <a:t>CAS</a:t>
+            </a:r>
+            <a:endParaRPr lang="zh-CN" altLang="zh-CN" sz="3600" b="1" dirty="0">
+              <a:solidFill>
+                <a:schemeClr val="bg1"/>
+              </a:solidFill>
+              <a:latin typeface="华文行楷" pitchFamily="2" charset="-122"/>
+              <a:ea typeface="华文行楷" pitchFamily="2" charset="-122"/>
+            </a:endParaRPr>
+          </a:p>
+        </p:txBody>
+      </p:sp>
+      <p:sp>
+        <p:nvSpPr>
+          <p:cNvPr id="9" name="矩形 8"/>
+          <p:cNvSpPr/>
+          <p:nvPr/>
+        </p:nvSpPr>
+        <p:spPr>
+          <a:xfrm>
+            <a:off x="1197159" y="327900"/>
+            <a:ext cx="1709122" cy="369332"/>
+          </a:xfrm>
+          <a:prstGeom prst="rect">
+            <a:avLst/>
+          </a:prstGeom>
+        </p:spPr>
+        <p:txBody>
+          <a:bodyPr wrap="none">
+            <a:spAutoFit/>
+          </a:bodyPr>
+          <a:lstStyle/>
+          <a:p>
+            <a:r>
+              <a:rPr lang="zh-CN" altLang="zh-CN" b="1" dirty="0">
+                <a:solidFill>
+                  <a:srgbClr val="C00000"/>
+                </a:solidFill>
+                <a:latin typeface="华文行楷" pitchFamily="2" charset="-122"/>
+                <a:ea typeface="华文行楷" pitchFamily="2" charset="-122"/>
+              </a:rPr>
+              <a:t>集合与</a:t>
+            </a:r>
+            <a:r>
+              <a:rPr lang="en-US" altLang="zh-CN" b="1" dirty="0">
+                <a:solidFill>
+                  <a:srgbClr val="C00000"/>
+                </a:solidFill>
+                <a:latin typeface="华文行楷" pitchFamily="2" charset="-122"/>
+                <a:ea typeface="华文行楷" pitchFamily="2" charset="-122"/>
+              </a:rPr>
+              <a:t>JUC</a:t>
+            </a:r>
+            <a:r>
+              <a:rPr lang="zh-CN" altLang="zh-CN" b="1" dirty="0">
+                <a:solidFill>
+                  <a:srgbClr val="C00000"/>
+                </a:solidFill>
+                <a:latin typeface="华文行楷" pitchFamily="2" charset="-122"/>
+                <a:ea typeface="华文行楷" pitchFamily="2" charset="-122"/>
+              </a:rPr>
+              <a:t>框架</a:t>
+            </a:r>
+            <a:endParaRPr lang="zh-CN" altLang="en-US" b="1" dirty="0">
+              <a:solidFill>
+                <a:srgbClr val="C00000"/>
+              </a:solidFill>
+              <a:latin typeface="华文行楷" pitchFamily="2" charset="-122"/>
+              <a:ea typeface="华文行楷" pitchFamily="2" charset="-122"/>
+            </a:endParaRPr>
+          </a:p>
+        </p:txBody>
+      </p:sp>
+      <p:sp>
+        <p:nvSpPr>
+          <p:cNvPr id="8" name="流程图: 决策 7"/>
+          <p:cNvSpPr/>
+          <p:nvPr/>
+        </p:nvSpPr>
+        <p:spPr>
+          <a:xfrm>
+            <a:off x="107247" y="766644"/>
+            <a:ext cx="4320737" cy="1296144"/>
+          </a:xfrm>
+          <a:prstGeom prst="flowChartDecision">
+            <a:avLst/>
+          </a:prstGeom>
+          <a:solidFill>
+            <a:srgbClr val="C00000"/>
+          </a:solidFill>
+          <a:ln>
+            <a:noFill/>
+          </a:ln>
+        </p:spPr>
+        <p:style>
+          <a:lnRef idx="2">
+            <a:schemeClr val="accent1">
+              <a:shade val="50000"/>
+            </a:schemeClr>
+          </a:lnRef>
+          <a:fillRef idx="1">
+            <a:schemeClr val="accent1"/>
+          </a:fillRef>
+          <a:effectRef idx="0">
+            <a:schemeClr val="accent1"/>
+          </a:effectRef>
+          <a:fontRef idx="minor">
+            <a:schemeClr val="lt1"/>
+          </a:fontRef>
+        </p:style>
+        <p:txBody>
+          <a:bodyPr rtlCol="0" anchor="ctr"/>
+          <a:lstStyle/>
+          <a:p>
+            <a:r>
+              <a:rPr lang="en-US" altLang="zh-CN" sz="2400" b="1" dirty="0" smtClean="0">
+                <a:latin typeface="华文行楷" pitchFamily="2" charset="-122"/>
+                <a:ea typeface="华文行楷" pitchFamily="2" charset="-122"/>
+              </a:rPr>
+              <a:t>MQ</a:t>
+            </a:r>
+            <a:r>
+              <a:rPr lang="zh-CN" altLang="en-US" sz="2400" b="1" dirty="0" smtClean="0">
+                <a:latin typeface="华文行楷" pitchFamily="2" charset="-122"/>
+                <a:ea typeface="华文行楷" pitchFamily="2" charset="-122"/>
+              </a:rPr>
+              <a:t>消息积压</a:t>
+            </a:r>
+            <a:endParaRPr lang="zh-CN" altLang="zh-CN" sz="2400" b="1" dirty="0">
+              <a:latin typeface="华文行楷" pitchFamily="2" charset="-122"/>
+              <a:ea typeface="华文行楷" pitchFamily="2" charset="-122"/>
+            </a:endParaRPr>
+          </a:p>
+        </p:txBody>
+      </p:sp>
+      <p:sp>
+        <p:nvSpPr>
           <p:cNvPr id="3" name="矩形 2"/>
           <p:cNvSpPr/>
           <p:nvPr/>
@@ -4667,6 +5329,602 @@
     <p:extLst>
       <p:ext uri="{BB962C8B-B14F-4D97-AF65-F5344CB8AC3E}">
         <p14:creationId xmlns:p14="http://schemas.microsoft.com/office/powerpoint/2010/main" val="3307950865"/>
+      </p:ext>
+    </p:extLst>
+  </p:cSld>
+  <p:clrMapOvr>
+    <a:masterClrMapping/>
+  </p:clrMapOvr>
+  <p:timing>
+    <p:tnLst>
+      <p:par>
+        <p:cTn id="1" dur="indefinite" restart="never" nodeType="tmRoot"/>
+      </p:par>
+    </p:tnLst>
+  </p:timing>
+</p:sld>
+</file>
+
+<file path=ppt/slides/slide8.xml><?xml version="1.0" encoding="utf-8"?>
+<p:sld xmlns:a="http://schemas.openxmlformats.org/drawingml/2006/main" xmlns:r="http://schemas.openxmlformats.org/officeDocument/2006/relationships" xmlns:p="http://schemas.openxmlformats.org/presentationml/2006/main">
+  <p:cSld>
+    <p:spTree>
+      <p:nvGrpSpPr>
+        <p:cNvPr id="1" name=""/>
+        <p:cNvGrpSpPr/>
+        <p:nvPr/>
+      </p:nvGrpSpPr>
+      <p:grpSpPr>
+        <a:xfrm>
+          <a:off x="0" y="0"/>
+          <a:ext cx="0" cy="0"/>
+          <a:chOff x="0" y="0"/>
+          <a:chExt cx="0" cy="0"/>
+        </a:xfrm>
+      </p:grpSpPr>
+      <p:pic>
+        <p:nvPicPr>
+          <p:cNvPr id="4" name="图片 3"/>
+          <p:cNvPicPr>
+            <a:picLocks noChangeAspect="1"/>
+          </p:cNvPicPr>
+          <p:nvPr/>
+        </p:nvPicPr>
+        <p:blipFill>
+          <a:blip r:embed="rId3" cstate="print">
+            <a:extLst>
+              <a:ext uri="{28A0092B-C50C-407E-A947-70E740481C1C}">
+                <a14:useLocalDpi xmlns:a14="http://schemas.microsoft.com/office/drawing/2010/main" val="0"/>
+              </a:ext>
+            </a:extLst>
+          </a:blip>
+          <a:stretch>
+            <a:fillRect/>
+          </a:stretch>
+        </p:blipFill>
+        <p:spPr>
+          <a:xfrm>
+            <a:off x="0" y="-19932"/>
+            <a:ext cx="1570922" cy="717164"/>
+          </a:xfrm>
+          <a:prstGeom prst="rect">
+            <a:avLst/>
+          </a:prstGeom>
+        </p:spPr>
+      </p:pic>
+      <p:sp>
+        <p:nvSpPr>
+          <p:cNvPr id="7" name="矩形 6"/>
+          <p:cNvSpPr/>
+          <p:nvPr/>
+        </p:nvSpPr>
+        <p:spPr>
+          <a:xfrm>
+            <a:off x="2051720" y="1047949"/>
+            <a:ext cx="1105061" cy="733534"/>
+          </a:xfrm>
+          <a:prstGeom prst="rect">
+            <a:avLst/>
+          </a:prstGeom>
+        </p:spPr>
+        <p:txBody>
+          <a:bodyPr wrap="square">
+            <a:spAutoFit/>
+          </a:bodyPr>
+          <a:lstStyle/>
+          <a:p>
+            <a:pPr>
+              <a:lnSpc>
+                <a:spcPts val="5000"/>
+              </a:lnSpc>
+            </a:pPr>
+            <a:r>
+              <a:rPr lang="en-US" altLang="zh-CN" sz="3600" b="1" dirty="0">
+                <a:solidFill>
+                  <a:schemeClr val="bg1"/>
+                </a:solidFill>
+                <a:latin typeface="华文行楷" pitchFamily="2" charset="-122"/>
+                <a:ea typeface="华文行楷" pitchFamily="2" charset="-122"/>
+              </a:rPr>
+              <a:t>CAS</a:t>
+            </a:r>
+            <a:endParaRPr lang="zh-CN" altLang="zh-CN" sz="3600" b="1" dirty="0">
+              <a:solidFill>
+                <a:schemeClr val="bg1"/>
+              </a:solidFill>
+              <a:latin typeface="华文行楷" pitchFamily="2" charset="-122"/>
+              <a:ea typeface="华文行楷" pitchFamily="2" charset="-122"/>
+            </a:endParaRPr>
+          </a:p>
+        </p:txBody>
+      </p:sp>
+      <p:sp>
+        <p:nvSpPr>
+          <p:cNvPr id="9" name="矩形 8"/>
+          <p:cNvSpPr/>
+          <p:nvPr/>
+        </p:nvSpPr>
+        <p:spPr>
+          <a:xfrm>
+            <a:off x="1197159" y="327900"/>
+            <a:ext cx="1709122" cy="369332"/>
+          </a:xfrm>
+          <a:prstGeom prst="rect">
+            <a:avLst/>
+          </a:prstGeom>
+        </p:spPr>
+        <p:txBody>
+          <a:bodyPr wrap="none">
+            <a:spAutoFit/>
+          </a:bodyPr>
+          <a:lstStyle/>
+          <a:p>
+            <a:r>
+              <a:rPr lang="zh-CN" altLang="zh-CN" b="1" dirty="0">
+                <a:solidFill>
+                  <a:srgbClr val="C00000"/>
+                </a:solidFill>
+                <a:latin typeface="华文行楷" pitchFamily="2" charset="-122"/>
+                <a:ea typeface="华文行楷" pitchFamily="2" charset="-122"/>
+              </a:rPr>
+              <a:t>集合与</a:t>
+            </a:r>
+            <a:r>
+              <a:rPr lang="en-US" altLang="zh-CN" b="1" dirty="0">
+                <a:solidFill>
+                  <a:srgbClr val="C00000"/>
+                </a:solidFill>
+                <a:latin typeface="华文行楷" pitchFamily="2" charset="-122"/>
+                <a:ea typeface="华文行楷" pitchFamily="2" charset="-122"/>
+              </a:rPr>
+              <a:t>JUC</a:t>
+            </a:r>
+            <a:r>
+              <a:rPr lang="zh-CN" altLang="zh-CN" b="1" dirty="0">
+                <a:solidFill>
+                  <a:srgbClr val="C00000"/>
+                </a:solidFill>
+                <a:latin typeface="华文行楷" pitchFamily="2" charset="-122"/>
+                <a:ea typeface="华文行楷" pitchFamily="2" charset="-122"/>
+              </a:rPr>
+              <a:t>框架</a:t>
+            </a:r>
+            <a:endParaRPr lang="zh-CN" altLang="en-US" b="1" dirty="0">
+              <a:solidFill>
+                <a:srgbClr val="C00000"/>
+              </a:solidFill>
+              <a:latin typeface="华文行楷" pitchFamily="2" charset="-122"/>
+              <a:ea typeface="华文行楷" pitchFamily="2" charset="-122"/>
+            </a:endParaRPr>
+          </a:p>
+        </p:txBody>
+      </p:sp>
+      <p:sp>
+        <p:nvSpPr>
+          <p:cNvPr id="8" name="流程图: 决策 7"/>
+          <p:cNvSpPr/>
+          <p:nvPr/>
+        </p:nvSpPr>
+        <p:spPr>
+          <a:xfrm>
+            <a:off x="107247" y="766644"/>
+            <a:ext cx="4320737" cy="1296144"/>
+          </a:xfrm>
+          <a:prstGeom prst="flowChartDecision">
+            <a:avLst/>
+          </a:prstGeom>
+          <a:solidFill>
+            <a:srgbClr val="C00000"/>
+          </a:solidFill>
+          <a:ln>
+            <a:noFill/>
+          </a:ln>
+        </p:spPr>
+        <p:style>
+          <a:lnRef idx="2">
+            <a:schemeClr val="accent1">
+              <a:shade val="50000"/>
+            </a:schemeClr>
+          </a:lnRef>
+          <a:fillRef idx="1">
+            <a:schemeClr val="accent1"/>
+          </a:fillRef>
+          <a:effectRef idx="0">
+            <a:schemeClr val="accent1"/>
+          </a:effectRef>
+          <a:fontRef idx="minor">
+            <a:schemeClr val="lt1"/>
+          </a:fontRef>
+        </p:style>
+        <p:txBody>
+          <a:bodyPr rtlCol="0" anchor="ctr"/>
+          <a:lstStyle/>
+          <a:p>
+            <a:r>
+              <a:rPr lang="zh-CN" altLang="en-US" sz="2400" b="1" dirty="0" smtClean="0">
+                <a:latin typeface="华文行楷" pitchFamily="2" charset="-122"/>
+                <a:ea typeface="华文行楷" pitchFamily="2" charset="-122"/>
+              </a:rPr>
+              <a:t>心跳检测</a:t>
+            </a:r>
+            <a:endParaRPr lang="zh-CN" altLang="zh-CN" sz="2400" b="1" dirty="0">
+              <a:latin typeface="华文行楷" pitchFamily="2" charset="-122"/>
+              <a:ea typeface="华文行楷" pitchFamily="2" charset="-122"/>
+            </a:endParaRPr>
+          </a:p>
+        </p:txBody>
+      </p:sp>
+      <p:sp>
+        <p:nvSpPr>
+          <p:cNvPr id="3" name="矩形 2"/>
+          <p:cNvSpPr/>
+          <p:nvPr/>
+        </p:nvSpPr>
+        <p:spPr>
+          <a:xfrm>
+            <a:off x="870780" y="2708920"/>
+            <a:ext cx="7805675" cy="646331"/>
+          </a:xfrm>
+          <a:prstGeom prst="rect">
+            <a:avLst/>
+          </a:prstGeom>
+        </p:spPr>
+        <p:txBody>
+          <a:bodyPr wrap="square">
+            <a:spAutoFit/>
+          </a:bodyPr>
+          <a:lstStyle/>
+          <a:p>
+            <a:r>
+              <a:rPr lang="zh-CN" altLang="en-US" dirty="0" smtClean="0">
+                <a:latin typeface="华文楷体" pitchFamily="2" charset="-122"/>
+                <a:ea typeface="华文楷体" pitchFamily="2" charset="-122"/>
+              </a:rPr>
+              <a:t> 定时任务调度集中式发送消息，消息积压如何优化？</a:t>
+            </a:r>
+            <a:endParaRPr lang="en-US" altLang="zh-CN" dirty="0" smtClean="0">
+              <a:latin typeface="华文楷体" pitchFamily="2" charset="-122"/>
+              <a:ea typeface="华文楷体" pitchFamily="2" charset="-122"/>
+            </a:endParaRPr>
+          </a:p>
+          <a:p>
+            <a:r>
+              <a:rPr lang="en-US" altLang="zh-CN" dirty="0" smtClean="0">
+                <a:latin typeface="华文楷体" pitchFamily="2" charset="-122"/>
+                <a:ea typeface="华文楷体" pitchFamily="2" charset="-122"/>
+              </a:rPr>
+              <a:t>1</a:t>
+            </a:r>
+            <a:r>
+              <a:rPr lang="zh-CN" altLang="en-US" dirty="0" smtClean="0">
+                <a:latin typeface="华文楷体" pitchFamily="2" charset="-122"/>
+                <a:ea typeface="华文楷体" pitchFamily="2" charset="-122"/>
+              </a:rPr>
+              <a:t>、采用内存数据库。比如</a:t>
+            </a:r>
+            <a:r>
+              <a:rPr lang="en-US" altLang="zh-CN" dirty="0">
+                <a:latin typeface="华文楷体" pitchFamily="2" charset="-122"/>
+                <a:ea typeface="华文楷体" pitchFamily="2" charset="-122"/>
+              </a:rPr>
+              <a:t>chronicle</a:t>
+            </a:r>
+            <a:endParaRPr lang="en-US" altLang="zh-CN" dirty="0" smtClean="0">
+              <a:latin typeface="华文楷体" pitchFamily="2" charset="-122"/>
+              <a:ea typeface="华文楷体" pitchFamily="2" charset="-122"/>
+            </a:endParaRPr>
+          </a:p>
+        </p:txBody>
+      </p:sp>
+    </p:spTree>
+    <p:extLst>
+      <p:ext uri="{BB962C8B-B14F-4D97-AF65-F5344CB8AC3E}">
+        <p14:creationId xmlns:p14="http://schemas.microsoft.com/office/powerpoint/2010/main" val="610472026"/>
+      </p:ext>
+    </p:extLst>
+  </p:cSld>
+  <p:clrMapOvr>
+    <a:masterClrMapping/>
+  </p:clrMapOvr>
+  <p:timing>
+    <p:tnLst>
+      <p:par>
+        <p:cTn id="1" dur="indefinite" restart="never" nodeType="tmRoot"/>
+      </p:par>
+    </p:tnLst>
+  </p:timing>
+</p:sld>
+</file>
+
+<file path=ppt/slides/slide9.xml><?xml version="1.0" encoding="utf-8"?>
+<p:sld xmlns:a="http://schemas.openxmlformats.org/drawingml/2006/main" xmlns:r="http://schemas.openxmlformats.org/officeDocument/2006/relationships" xmlns:p="http://schemas.openxmlformats.org/presentationml/2006/main">
+  <p:cSld>
+    <p:spTree>
+      <p:nvGrpSpPr>
+        <p:cNvPr id="1" name=""/>
+        <p:cNvGrpSpPr/>
+        <p:nvPr/>
+      </p:nvGrpSpPr>
+      <p:grpSpPr>
+        <a:xfrm>
+          <a:off x="0" y="0"/>
+          <a:ext cx="0" cy="0"/>
+          <a:chOff x="0" y="0"/>
+          <a:chExt cx="0" cy="0"/>
+        </a:xfrm>
+      </p:grpSpPr>
+      <p:pic>
+        <p:nvPicPr>
+          <p:cNvPr id="4" name="图片 3"/>
+          <p:cNvPicPr>
+            <a:picLocks noChangeAspect="1"/>
+          </p:cNvPicPr>
+          <p:nvPr/>
+        </p:nvPicPr>
+        <p:blipFill>
+          <a:blip r:embed="rId3" cstate="print">
+            <a:extLst>
+              <a:ext uri="{28A0092B-C50C-407E-A947-70E740481C1C}">
+                <a14:useLocalDpi xmlns:a14="http://schemas.microsoft.com/office/drawing/2010/main" val="0"/>
+              </a:ext>
+            </a:extLst>
+          </a:blip>
+          <a:stretch>
+            <a:fillRect/>
+          </a:stretch>
+        </p:blipFill>
+        <p:spPr>
+          <a:xfrm>
+            <a:off x="0" y="-19932"/>
+            <a:ext cx="1570922" cy="717164"/>
+          </a:xfrm>
+          <a:prstGeom prst="rect">
+            <a:avLst/>
+          </a:prstGeom>
+        </p:spPr>
+      </p:pic>
+      <p:sp>
+        <p:nvSpPr>
+          <p:cNvPr id="7" name="矩形 6"/>
+          <p:cNvSpPr/>
+          <p:nvPr/>
+        </p:nvSpPr>
+        <p:spPr>
+          <a:xfrm>
+            <a:off x="2051720" y="1047949"/>
+            <a:ext cx="1105061" cy="733534"/>
+          </a:xfrm>
+          <a:prstGeom prst="rect">
+            <a:avLst/>
+          </a:prstGeom>
+        </p:spPr>
+        <p:txBody>
+          <a:bodyPr wrap="square">
+            <a:spAutoFit/>
+          </a:bodyPr>
+          <a:lstStyle/>
+          <a:p>
+            <a:pPr>
+              <a:lnSpc>
+                <a:spcPts val="5000"/>
+              </a:lnSpc>
+            </a:pPr>
+            <a:r>
+              <a:rPr lang="en-US" altLang="zh-CN" sz="3600" b="1" dirty="0">
+                <a:solidFill>
+                  <a:schemeClr val="bg1"/>
+                </a:solidFill>
+                <a:latin typeface="华文行楷" pitchFamily="2" charset="-122"/>
+                <a:ea typeface="华文行楷" pitchFamily="2" charset="-122"/>
+              </a:rPr>
+              <a:t>CAS</a:t>
+            </a:r>
+            <a:endParaRPr lang="zh-CN" altLang="zh-CN" sz="3600" b="1" dirty="0">
+              <a:solidFill>
+                <a:schemeClr val="bg1"/>
+              </a:solidFill>
+              <a:latin typeface="华文行楷" pitchFamily="2" charset="-122"/>
+              <a:ea typeface="华文行楷" pitchFamily="2" charset="-122"/>
+            </a:endParaRPr>
+          </a:p>
+        </p:txBody>
+      </p:sp>
+      <p:sp>
+        <p:nvSpPr>
+          <p:cNvPr id="9" name="矩形 8"/>
+          <p:cNvSpPr/>
+          <p:nvPr/>
+        </p:nvSpPr>
+        <p:spPr>
+          <a:xfrm>
+            <a:off x="1197159" y="327900"/>
+            <a:ext cx="1709122" cy="369332"/>
+          </a:xfrm>
+          <a:prstGeom prst="rect">
+            <a:avLst/>
+          </a:prstGeom>
+        </p:spPr>
+        <p:txBody>
+          <a:bodyPr wrap="none">
+            <a:spAutoFit/>
+          </a:bodyPr>
+          <a:lstStyle/>
+          <a:p>
+            <a:r>
+              <a:rPr lang="zh-CN" altLang="zh-CN" b="1" dirty="0">
+                <a:solidFill>
+                  <a:srgbClr val="C00000"/>
+                </a:solidFill>
+                <a:latin typeface="华文行楷" pitchFamily="2" charset="-122"/>
+                <a:ea typeface="华文行楷" pitchFamily="2" charset="-122"/>
+              </a:rPr>
+              <a:t>集合与</a:t>
+            </a:r>
+            <a:r>
+              <a:rPr lang="en-US" altLang="zh-CN" b="1" dirty="0">
+                <a:solidFill>
+                  <a:srgbClr val="C00000"/>
+                </a:solidFill>
+                <a:latin typeface="华文行楷" pitchFamily="2" charset="-122"/>
+                <a:ea typeface="华文行楷" pitchFamily="2" charset="-122"/>
+              </a:rPr>
+              <a:t>JUC</a:t>
+            </a:r>
+            <a:r>
+              <a:rPr lang="zh-CN" altLang="zh-CN" b="1" dirty="0">
+                <a:solidFill>
+                  <a:srgbClr val="C00000"/>
+                </a:solidFill>
+                <a:latin typeface="华文行楷" pitchFamily="2" charset="-122"/>
+                <a:ea typeface="华文行楷" pitchFamily="2" charset="-122"/>
+              </a:rPr>
+              <a:t>框架</a:t>
+            </a:r>
+            <a:endParaRPr lang="zh-CN" altLang="en-US" b="1" dirty="0">
+              <a:solidFill>
+                <a:srgbClr val="C00000"/>
+              </a:solidFill>
+              <a:latin typeface="华文行楷" pitchFamily="2" charset="-122"/>
+              <a:ea typeface="华文行楷" pitchFamily="2" charset="-122"/>
+            </a:endParaRPr>
+          </a:p>
+        </p:txBody>
+      </p:sp>
+      <p:sp>
+        <p:nvSpPr>
+          <p:cNvPr id="8" name="流程图: 决策 7"/>
+          <p:cNvSpPr/>
+          <p:nvPr/>
+        </p:nvSpPr>
+        <p:spPr>
+          <a:xfrm>
+            <a:off x="107247" y="766644"/>
+            <a:ext cx="3528649" cy="1063288"/>
+          </a:xfrm>
+          <a:prstGeom prst="flowChartDecision">
+            <a:avLst/>
+          </a:prstGeom>
+          <a:solidFill>
+            <a:srgbClr val="C00000"/>
+          </a:solidFill>
+          <a:ln>
+            <a:noFill/>
+          </a:ln>
+        </p:spPr>
+        <p:style>
+          <a:lnRef idx="2">
+            <a:schemeClr val="accent1">
+              <a:shade val="50000"/>
+            </a:schemeClr>
+          </a:lnRef>
+          <a:fillRef idx="1">
+            <a:schemeClr val="accent1"/>
+          </a:fillRef>
+          <a:effectRef idx="0">
+            <a:schemeClr val="accent1"/>
+          </a:effectRef>
+          <a:fontRef idx="minor">
+            <a:schemeClr val="lt1"/>
+          </a:fontRef>
+        </p:style>
+        <p:txBody>
+          <a:bodyPr rtlCol="0" anchor="ctr"/>
+          <a:lstStyle/>
+          <a:p>
+            <a:r>
+              <a:rPr lang="zh-CN" altLang="en-US" sz="2400" b="1" dirty="0" smtClean="0">
+                <a:latin typeface="华文行楷" pitchFamily="2" charset="-122"/>
+                <a:ea typeface="华文行楷" pitchFamily="2" charset="-122"/>
+              </a:rPr>
+              <a:t>统一日志方案</a:t>
+            </a:r>
+            <a:endParaRPr lang="zh-CN" altLang="zh-CN" sz="2400" b="1" dirty="0">
+              <a:latin typeface="华文行楷" pitchFamily="2" charset="-122"/>
+              <a:ea typeface="华文行楷" pitchFamily="2" charset="-122"/>
+            </a:endParaRPr>
+          </a:p>
+        </p:txBody>
+      </p:sp>
+      <p:sp>
+        <p:nvSpPr>
+          <p:cNvPr id="3" name="矩形 2"/>
+          <p:cNvSpPr/>
+          <p:nvPr/>
+        </p:nvSpPr>
+        <p:spPr>
+          <a:xfrm>
+            <a:off x="870780" y="2708920"/>
+            <a:ext cx="7805675" cy="369332"/>
+          </a:xfrm>
+          <a:prstGeom prst="rect">
+            <a:avLst/>
+          </a:prstGeom>
+        </p:spPr>
+        <p:txBody>
+          <a:bodyPr wrap="square">
+            <a:spAutoFit/>
+          </a:bodyPr>
+          <a:lstStyle/>
+          <a:p>
+            <a:r>
+              <a:rPr lang="zh-CN" altLang="en-US" dirty="0" smtClean="0">
+                <a:latin typeface="华文楷体" pitchFamily="2" charset="-122"/>
+                <a:ea typeface="华文楷体" pitchFamily="2" charset="-122"/>
+              </a:rPr>
+              <a:t> </a:t>
+            </a:r>
+            <a:endParaRPr lang="en-US" altLang="zh-CN" dirty="0" smtClean="0">
+              <a:latin typeface="华文楷体" pitchFamily="2" charset="-122"/>
+              <a:ea typeface="华文楷体" pitchFamily="2" charset="-122"/>
+            </a:endParaRPr>
+          </a:p>
+        </p:txBody>
+      </p:sp>
+      <p:pic>
+        <p:nvPicPr>
+          <p:cNvPr id="1026" name="Picture 2" descr="G:\技术总结\资产管家日志收集分析架构设计.jpg"/>
+          <p:cNvPicPr>
+            <a:picLocks noChangeAspect="1" noChangeArrowheads="1"/>
+          </p:cNvPicPr>
+          <p:nvPr/>
+        </p:nvPicPr>
+        <p:blipFill>
+          <a:blip r:embed="rId4">
+            <a:extLst>
+              <a:ext uri="{28A0092B-C50C-407E-A947-70E740481C1C}">
+                <a14:useLocalDpi xmlns:a14="http://schemas.microsoft.com/office/drawing/2010/main" val="0"/>
+              </a:ext>
+            </a:extLst>
+          </a:blip>
+          <a:srcRect/>
+          <a:stretch>
+            <a:fillRect/>
+          </a:stretch>
+        </p:blipFill>
+        <p:spPr bwMode="auto">
+          <a:xfrm>
+            <a:off x="222011" y="1700807"/>
+            <a:ext cx="8461196" cy="5076517"/>
+          </a:xfrm>
+          <a:prstGeom prst="rect">
+            <a:avLst/>
+          </a:prstGeom>
+          <a:noFill/>
+          <a:extLst>
+            <a:ext uri="{909E8E84-426E-40DD-AFC4-6F175D3DCCD1}">
+              <a14:hiddenFill xmlns:a14="http://schemas.microsoft.com/office/drawing/2010/main">
+                <a:solidFill>
+                  <a:srgbClr val="FFFFFF"/>
+                </a:solidFill>
+              </a14:hiddenFill>
+            </a:ext>
+          </a:extLst>
+        </p:spPr>
+      </p:pic>
+    </p:spTree>
+    <p:extLst>
+      <p:ext uri="{BB962C8B-B14F-4D97-AF65-F5344CB8AC3E}">
+        <p14:creationId xmlns:p14="http://schemas.microsoft.com/office/powerpoint/2010/main" val="2195492564"/>
       </p:ext>
     </p:extLst>
   </p:cSld>
